--- a/3 Linear Regression/01_Linear regression.pptx
+++ b/3 Linear Regression/01_Linear regression.pptx
@@ -8,8 +8,9 @@
     <p:sldId id="256" r:id="rId2"/>
     <p:sldId id="259" r:id="rId3"/>
     <p:sldId id="260" r:id="rId4"/>
-    <p:sldId id="257" r:id="rId5"/>
-    <p:sldId id="258" r:id="rId6"/>
+    <p:sldId id="261" r:id="rId5"/>
+    <p:sldId id="257" r:id="rId6"/>
+    <p:sldId id="258" r:id="rId7"/>
   </p:sldIdLst>
   <p:sldSz cx="12192000" cy="6858000"/>
   <p:notesSz cx="6858000" cy="9144000"/>
@@ -114,6 +115,1876 @@
     </p:ext>
   </p:extLst>
 </p:presentation>
+</file>
+
+<file path=ppt/charts/chart1.xml><?xml version="1.0" encoding="utf-8"?>
+<c:chartSpace xmlns:c="http://schemas.openxmlformats.org/drawingml/2006/chart" xmlns:a="http://schemas.openxmlformats.org/drawingml/2006/main" xmlns:r="http://schemas.openxmlformats.org/officeDocument/2006/relationships" xmlns:c16r2="http://schemas.microsoft.com/office/drawing/2015/06/chart">
+  <c:date1904 val="0"/>
+  <c:lang val="ko-KR"/>
+  <c:roundedCorners val="0"/>
+  <mc:AlternateContent xmlns:mc="http://schemas.openxmlformats.org/markup-compatibility/2006">
+    <mc:Choice xmlns:c14="http://schemas.microsoft.com/office/drawing/2007/8/2/chart" Requires="c14">
+      <c14:style val="102"/>
+    </mc:Choice>
+    <mc:Fallback>
+      <c:style val="2"/>
+    </mc:Fallback>
+  </mc:AlternateContent>
+  <c:chart>
+    <c:autoTitleDeleted val="1"/>
+    <c:plotArea>
+      <c:layout/>
+      <c:scatterChart>
+        <c:scatterStyle val="lineMarker"/>
+        <c:varyColors val="0"/>
+        <c:ser>
+          <c:idx val="0"/>
+          <c:order val="0"/>
+          <c:tx>
+            <c:strRef>
+              <c:f>Sheet1!$B$1</c:f>
+              <c:strCache>
+                <c:ptCount val="1"/>
+                <c:pt idx="0">
+                  <c:v>Y 값</c:v>
+                </c:pt>
+              </c:strCache>
+            </c:strRef>
+          </c:tx>
+          <c:spPr>
+            <a:ln w="19050" cap="rnd">
+              <a:noFill/>
+              <a:round/>
+            </a:ln>
+            <a:effectLst/>
+          </c:spPr>
+          <c:marker>
+            <c:symbol val="circle"/>
+            <c:size val="5"/>
+            <c:spPr>
+              <a:solidFill>
+                <a:schemeClr val="accent1"/>
+              </a:solidFill>
+              <a:ln w="19050">
+                <a:solidFill>
+                  <a:schemeClr val="accent1"/>
+                </a:solidFill>
+              </a:ln>
+              <a:effectLst/>
+            </c:spPr>
+          </c:marker>
+          <c:xVal>
+            <c:numRef>
+              <c:f>Sheet1!$A$2:$A$19</c:f>
+              <c:numCache>
+                <c:formatCode>General</c:formatCode>
+                <c:ptCount val="18"/>
+                <c:pt idx="0">
+                  <c:v>12</c:v>
+                </c:pt>
+                <c:pt idx="1">
+                  <c:v>15</c:v>
+                </c:pt>
+                <c:pt idx="2">
+                  <c:v>6</c:v>
+                </c:pt>
+                <c:pt idx="3">
+                  <c:v>3</c:v>
+                </c:pt>
+                <c:pt idx="4">
+                  <c:v>2</c:v>
+                </c:pt>
+                <c:pt idx="5">
+                  <c:v>1</c:v>
+                </c:pt>
+                <c:pt idx="6">
+                  <c:v>6</c:v>
+                </c:pt>
+                <c:pt idx="7">
+                  <c:v>21</c:v>
+                </c:pt>
+                <c:pt idx="9">
+                  <c:v>1</c:v>
+                </c:pt>
+              </c:numCache>
+            </c:numRef>
+          </c:xVal>
+          <c:yVal>
+            <c:numRef>
+              <c:f>Sheet1!$B$2:$B$19</c:f>
+              <c:numCache>
+                <c:formatCode>General</c:formatCode>
+                <c:ptCount val="18"/>
+                <c:pt idx="0">
+                  <c:v>50</c:v>
+                </c:pt>
+                <c:pt idx="1">
+                  <c:v>30</c:v>
+                </c:pt>
+                <c:pt idx="2">
+                  <c:v>90</c:v>
+                </c:pt>
+                <c:pt idx="3">
+                  <c:v>70</c:v>
+                </c:pt>
+                <c:pt idx="4">
+                  <c:v>90</c:v>
+                </c:pt>
+                <c:pt idx="5">
+                  <c:v>100</c:v>
+                </c:pt>
+                <c:pt idx="6">
+                  <c:v>70</c:v>
+                </c:pt>
+                <c:pt idx="7">
+                  <c:v>20</c:v>
+                </c:pt>
+                <c:pt idx="9">
+                  <c:v>1</c:v>
+                </c:pt>
+              </c:numCache>
+            </c:numRef>
+          </c:yVal>
+          <c:smooth val="0"/>
+          <c:extLst>
+            <c:ext xmlns:c16="http://schemas.microsoft.com/office/drawing/2014/chart" uri="{C3380CC4-5D6E-409C-BE32-E72D297353CC}">
+              <c16:uniqueId val="{00000000-8E5A-2645-A3BF-E36F3561D81B}"/>
+            </c:ext>
+          </c:extLst>
+        </c:ser>
+        <c:dLbls>
+          <c:showLegendKey val="0"/>
+          <c:showVal val="0"/>
+          <c:showCatName val="0"/>
+          <c:showSerName val="0"/>
+          <c:showPercent val="0"/>
+          <c:showBubbleSize val="0"/>
+        </c:dLbls>
+        <c:axId val="1872699904"/>
+        <c:axId val="1875203248"/>
+      </c:scatterChart>
+      <c:valAx>
+        <c:axId val="1872699904"/>
+        <c:scaling>
+          <c:orientation val="minMax"/>
+          <c:max val="24"/>
+        </c:scaling>
+        <c:delete val="0"/>
+        <c:axPos val="b"/>
+        <c:majorGridlines>
+          <c:spPr>
+            <a:ln w="9525" cap="flat" cmpd="sng" algn="ctr">
+              <a:solidFill>
+                <a:schemeClr val="tx1">
+                  <a:lumMod val="15000"/>
+                  <a:lumOff val="85000"/>
+                </a:schemeClr>
+              </a:solidFill>
+              <a:round/>
+            </a:ln>
+            <a:effectLst/>
+          </c:spPr>
+        </c:majorGridlines>
+        <c:numFmt formatCode="General" sourceLinked="1"/>
+        <c:majorTickMark val="none"/>
+        <c:minorTickMark val="none"/>
+        <c:tickLblPos val="nextTo"/>
+        <c:spPr>
+          <a:noFill/>
+          <a:ln w="9525" cap="flat" cmpd="sng" algn="ctr">
+            <a:solidFill>
+              <a:schemeClr val="tx1">
+                <a:lumMod val="25000"/>
+                <a:lumOff val="75000"/>
+              </a:schemeClr>
+            </a:solidFill>
+            <a:round/>
+          </a:ln>
+          <a:effectLst/>
+        </c:spPr>
+        <c:txPr>
+          <a:bodyPr rot="-60000000" spcFirstLastPara="1" vertOverflow="ellipsis" vert="horz" wrap="square" anchor="ctr" anchorCtr="1"/>
+          <a:lstStyle/>
+          <a:p>
+            <a:pPr>
+              <a:defRPr sz="1197" b="0" i="0" u="none" strike="noStrike" kern="1200" baseline="0">
+                <a:solidFill>
+                  <a:schemeClr val="tx1">
+                    <a:lumMod val="65000"/>
+                    <a:lumOff val="35000"/>
+                  </a:schemeClr>
+                </a:solidFill>
+                <a:latin typeface="+mn-lt"/>
+                <a:ea typeface="+mn-ea"/>
+                <a:cs typeface="+mn-cs"/>
+              </a:defRPr>
+            </a:pPr>
+            <a:endParaRPr lang="ko-KR"/>
+          </a:p>
+        </c:txPr>
+        <c:crossAx val="1875203248"/>
+        <c:crosses val="autoZero"/>
+        <c:crossBetween val="midCat"/>
+      </c:valAx>
+      <c:valAx>
+        <c:axId val="1875203248"/>
+        <c:scaling>
+          <c:orientation val="minMax"/>
+          <c:max val="100"/>
+        </c:scaling>
+        <c:delete val="0"/>
+        <c:axPos val="l"/>
+        <c:majorGridlines>
+          <c:spPr>
+            <a:ln w="9525" cap="flat" cmpd="sng" algn="ctr">
+              <a:solidFill>
+                <a:schemeClr val="tx1">
+                  <a:lumMod val="15000"/>
+                  <a:lumOff val="85000"/>
+                </a:schemeClr>
+              </a:solidFill>
+              <a:round/>
+            </a:ln>
+            <a:effectLst/>
+          </c:spPr>
+        </c:majorGridlines>
+        <c:numFmt formatCode="General" sourceLinked="1"/>
+        <c:majorTickMark val="none"/>
+        <c:minorTickMark val="none"/>
+        <c:tickLblPos val="nextTo"/>
+        <c:spPr>
+          <a:noFill/>
+          <a:ln w="9525" cap="flat" cmpd="sng" algn="ctr">
+            <a:solidFill>
+              <a:schemeClr val="tx1">
+                <a:lumMod val="25000"/>
+                <a:lumOff val="75000"/>
+              </a:schemeClr>
+            </a:solidFill>
+            <a:round/>
+          </a:ln>
+          <a:effectLst/>
+        </c:spPr>
+        <c:txPr>
+          <a:bodyPr rot="-60000000" spcFirstLastPara="1" vertOverflow="ellipsis" vert="horz" wrap="square" anchor="ctr" anchorCtr="1"/>
+          <a:lstStyle/>
+          <a:p>
+            <a:pPr>
+              <a:defRPr sz="1197" b="0" i="0" u="none" strike="noStrike" kern="1200" baseline="0">
+                <a:solidFill>
+                  <a:schemeClr val="tx1">
+                    <a:lumMod val="65000"/>
+                    <a:lumOff val="35000"/>
+                  </a:schemeClr>
+                </a:solidFill>
+                <a:latin typeface="+mn-lt"/>
+                <a:ea typeface="+mn-ea"/>
+                <a:cs typeface="+mn-cs"/>
+              </a:defRPr>
+            </a:pPr>
+            <a:endParaRPr lang="ko-KR"/>
+          </a:p>
+        </c:txPr>
+        <c:crossAx val="1872699904"/>
+        <c:crosses val="autoZero"/>
+        <c:crossBetween val="midCat"/>
+      </c:valAx>
+      <c:spPr>
+        <a:noFill/>
+        <a:ln>
+          <a:noFill/>
+        </a:ln>
+        <a:effectLst/>
+      </c:spPr>
+    </c:plotArea>
+    <c:plotVisOnly val="1"/>
+    <c:dispBlanksAs val="gap"/>
+    <c:extLst>
+      <c:ext xmlns:c16r3="http://schemas.microsoft.com/office/drawing/2017/03/chart" uri="{56B9EC1D-385E-4148-901F-78D8002777C0}">
+        <c16r3:dataDisplayOptions16>
+          <c16r3:dispNaAsBlank val="1"/>
+        </c16r3:dataDisplayOptions16>
+      </c:ext>
+    </c:extLst>
+    <c:showDLblsOverMax val="0"/>
+  </c:chart>
+  <c:spPr>
+    <a:noFill/>
+    <a:ln>
+      <a:noFill/>
+    </a:ln>
+    <a:effectLst/>
+  </c:spPr>
+  <c:txPr>
+    <a:bodyPr/>
+    <a:lstStyle/>
+    <a:p>
+      <a:pPr>
+        <a:defRPr/>
+      </a:pPr>
+      <a:endParaRPr lang="ko-KR"/>
+    </a:p>
+  </c:txPr>
+  <c:externalData r:id="rId3">
+    <c:autoUpdate val="0"/>
+  </c:externalData>
+</c:chartSpace>
+</file>
+
+<file path=ppt/charts/chart2.xml><?xml version="1.0" encoding="utf-8"?>
+<c:chartSpace xmlns:c="http://schemas.openxmlformats.org/drawingml/2006/chart" xmlns:a="http://schemas.openxmlformats.org/drawingml/2006/main" xmlns:r="http://schemas.openxmlformats.org/officeDocument/2006/relationships" xmlns:c16r2="http://schemas.microsoft.com/office/drawing/2015/06/chart">
+  <c:date1904 val="0"/>
+  <c:lang val="ko-KR"/>
+  <c:roundedCorners val="0"/>
+  <mc:AlternateContent xmlns:mc="http://schemas.openxmlformats.org/markup-compatibility/2006">
+    <mc:Choice xmlns:c14="http://schemas.microsoft.com/office/drawing/2007/8/2/chart" Requires="c14">
+      <c14:style val="102"/>
+    </mc:Choice>
+    <mc:Fallback>
+      <c:style val="2"/>
+    </mc:Fallback>
+  </mc:AlternateContent>
+  <c:chart>
+    <c:autoTitleDeleted val="1"/>
+    <c:plotArea>
+      <c:layout>
+        <c:manualLayout>
+          <c:layoutTarget val="inner"/>
+          <c:xMode val="edge"/>
+          <c:yMode val="edge"/>
+          <c:x val="9.7523375984251967E-2"/>
+          <c:y val="2.578124841404722E-2"/>
+          <c:w val="0.82278912401574811"/>
+          <c:h val="0.84414063458780542"/>
+        </c:manualLayout>
+      </c:layout>
+      <c:scatterChart>
+        <c:scatterStyle val="lineMarker"/>
+        <c:varyColors val="0"/>
+        <c:ser>
+          <c:idx val="0"/>
+          <c:order val="0"/>
+          <c:tx>
+            <c:strRef>
+              <c:f>Sheet1!$B$1</c:f>
+              <c:strCache>
+                <c:ptCount val="1"/>
+                <c:pt idx="0">
+                  <c:v>Y 값</c:v>
+                </c:pt>
+              </c:strCache>
+            </c:strRef>
+          </c:tx>
+          <c:spPr>
+            <a:ln w="19050" cap="rnd">
+              <a:noFill/>
+              <a:round/>
+            </a:ln>
+            <a:effectLst/>
+          </c:spPr>
+          <c:marker>
+            <c:symbol val="circle"/>
+            <c:size val="5"/>
+            <c:spPr>
+              <a:solidFill>
+                <a:schemeClr val="accent1"/>
+              </a:solidFill>
+              <a:ln w="9525">
+                <a:solidFill>
+                  <a:schemeClr val="accent1"/>
+                </a:solidFill>
+              </a:ln>
+              <a:effectLst/>
+            </c:spPr>
+          </c:marker>
+          <c:xVal>
+            <c:numRef>
+              <c:f>Sheet1!$A$2:$A$20</c:f>
+              <c:numCache>
+                <c:formatCode>General</c:formatCode>
+                <c:ptCount val="19"/>
+                <c:pt idx="0">
+                  <c:v>1</c:v>
+                </c:pt>
+                <c:pt idx="1">
+                  <c:v>2</c:v>
+                </c:pt>
+                <c:pt idx="2">
+                  <c:v>3</c:v>
+                </c:pt>
+                <c:pt idx="3">
+                  <c:v>4</c:v>
+                </c:pt>
+                <c:pt idx="4">
+                  <c:v>5</c:v>
+                </c:pt>
+                <c:pt idx="5">
+                  <c:v>6</c:v>
+                </c:pt>
+                <c:pt idx="6">
+                  <c:v>7</c:v>
+                </c:pt>
+                <c:pt idx="7">
+                  <c:v>8</c:v>
+                </c:pt>
+                <c:pt idx="8">
+                  <c:v>9</c:v>
+                </c:pt>
+                <c:pt idx="9">
+                  <c:v>0</c:v>
+                </c:pt>
+                <c:pt idx="10">
+                  <c:v>10</c:v>
+                </c:pt>
+                <c:pt idx="11">
+                  <c:v>2</c:v>
+                </c:pt>
+                <c:pt idx="12">
+                  <c:v>3</c:v>
+                </c:pt>
+                <c:pt idx="13">
+                  <c:v>4</c:v>
+                </c:pt>
+                <c:pt idx="14">
+                  <c:v>5</c:v>
+                </c:pt>
+                <c:pt idx="15">
+                  <c:v>6</c:v>
+                </c:pt>
+                <c:pt idx="16">
+                  <c:v>1</c:v>
+                </c:pt>
+                <c:pt idx="17">
+                  <c:v>2</c:v>
+                </c:pt>
+                <c:pt idx="18">
+                  <c:v>1</c:v>
+                </c:pt>
+              </c:numCache>
+            </c:numRef>
+          </c:xVal>
+          <c:yVal>
+            <c:numRef>
+              <c:f>Sheet1!$B$2:$B$20</c:f>
+              <c:numCache>
+                <c:formatCode>General</c:formatCode>
+                <c:ptCount val="19"/>
+                <c:pt idx="0">
+                  <c:v>2</c:v>
+                </c:pt>
+                <c:pt idx="1">
+                  <c:v>3</c:v>
+                </c:pt>
+                <c:pt idx="2">
+                  <c:v>2</c:v>
+                </c:pt>
+                <c:pt idx="3">
+                  <c:v>4</c:v>
+                </c:pt>
+                <c:pt idx="4">
+                  <c:v>5</c:v>
+                </c:pt>
+                <c:pt idx="5">
+                  <c:v>6</c:v>
+                </c:pt>
+                <c:pt idx="6">
+                  <c:v>5</c:v>
+                </c:pt>
+                <c:pt idx="7">
+                  <c:v>7</c:v>
+                </c:pt>
+                <c:pt idx="8">
+                  <c:v>6</c:v>
+                </c:pt>
+                <c:pt idx="9">
+                  <c:v>8</c:v>
+                </c:pt>
+                <c:pt idx="10">
+                  <c:v>9</c:v>
+                </c:pt>
+                <c:pt idx="11">
+                  <c:v>4</c:v>
+                </c:pt>
+                <c:pt idx="12">
+                  <c:v>4</c:v>
+                </c:pt>
+                <c:pt idx="13">
+                  <c:v>3</c:v>
+                </c:pt>
+                <c:pt idx="14">
+                  <c:v>6</c:v>
+                </c:pt>
+                <c:pt idx="15">
+                  <c:v>9</c:v>
+                </c:pt>
+                <c:pt idx="16">
+                  <c:v>2</c:v>
+                </c:pt>
+                <c:pt idx="17">
+                  <c:v>1</c:v>
+                </c:pt>
+                <c:pt idx="18">
+                  <c:v>5</c:v>
+                </c:pt>
+              </c:numCache>
+            </c:numRef>
+          </c:yVal>
+          <c:smooth val="0"/>
+          <c:extLst>
+            <c:ext xmlns:c16="http://schemas.microsoft.com/office/drawing/2014/chart" uri="{C3380CC4-5D6E-409C-BE32-E72D297353CC}">
+              <c16:uniqueId val="{00000000-40AF-D240-8037-44CC9020D074}"/>
+            </c:ext>
+          </c:extLst>
+        </c:ser>
+        <c:dLbls>
+          <c:showLegendKey val="0"/>
+          <c:showVal val="0"/>
+          <c:showCatName val="0"/>
+          <c:showSerName val="0"/>
+          <c:showPercent val="0"/>
+          <c:showBubbleSize val="0"/>
+        </c:dLbls>
+        <c:axId val="1915302112"/>
+        <c:axId val="1915355088"/>
+      </c:scatterChart>
+      <c:valAx>
+        <c:axId val="1915302112"/>
+        <c:scaling>
+          <c:orientation val="minMax"/>
+        </c:scaling>
+        <c:delete val="1"/>
+        <c:axPos val="b"/>
+        <c:majorGridlines>
+          <c:spPr>
+            <a:ln w="9525" cap="flat" cmpd="sng" algn="ctr">
+              <a:solidFill>
+                <a:schemeClr val="tx1">
+                  <a:lumMod val="15000"/>
+                  <a:lumOff val="85000"/>
+                </a:schemeClr>
+              </a:solidFill>
+              <a:round/>
+            </a:ln>
+            <a:effectLst/>
+          </c:spPr>
+        </c:majorGridlines>
+        <c:title>
+          <c:tx>
+            <c:rich>
+              <a:bodyPr rot="0" spcFirstLastPara="1" vertOverflow="ellipsis" vert="horz" wrap="square" anchor="ctr" anchorCtr="1"/>
+              <a:lstStyle/>
+              <a:p>
+                <a:pPr>
+                  <a:defRPr sz="1330" b="0" i="0" u="none" strike="noStrike" kern="1200" baseline="0">
+                    <a:solidFill>
+                      <a:schemeClr val="tx1">
+                        <a:lumMod val="65000"/>
+                        <a:lumOff val="35000"/>
+                      </a:schemeClr>
+                    </a:solidFill>
+                    <a:latin typeface="+mn-lt"/>
+                    <a:ea typeface="+mn-ea"/>
+                    <a:cs typeface="+mn-cs"/>
+                  </a:defRPr>
+                </a:pPr>
+                <a:r>
+                  <a:rPr lang="en-US" altLang="ko-KR" sz="2400" b="1" dirty="0"/>
+                  <a:t>X1</a:t>
+                </a:r>
+                <a:endParaRPr lang="ko-KR" altLang="en-US" sz="2400" b="1" dirty="0"/>
+              </a:p>
+            </c:rich>
+          </c:tx>
+          <c:layout>
+            <c:manualLayout>
+              <c:xMode val="edge"/>
+              <c:yMode val="edge"/>
+              <c:x val="0.86594525098425201"/>
+              <c:y val="0.87226563285767511"/>
+            </c:manualLayout>
+          </c:layout>
+          <c:overlay val="0"/>
+          <c:spPr>
+            <a:noFill/>
+            <a:ln>
+              <a:noFill/>
+            </a:ln>
+            <a:effectLst/>
+          </c:spPr>
+          <c:txPr>
+            <a:bodyPr rot="0" spcFirstLastPara="1" vertOverflow="ellipsis" vert="horz" wrap="square" anchor="ctr" anchorCtr="1"/>
+            <a:lstStyle/>
+            <a:p>
+              <a:pPr>
+                <a:defRPr sz="1330" b="0" i="0" u="none" strike="noStrike" kern="1200" baseline="0">
+                  <a:solidFill>
+                    <a:schemeClr val="tx1">
+                      <a:lumMod val="65000"/>
+                      <a:lumOff val="35000"/>
+                    </a:schemeClr>
+                  </a:solidFill>
+                  <a:latin typeface="+mn-lt"/>
+                  <a:ea typeface="+mn-ea"/>
+                  <a:cs typeface="+mn-cs"/>
+                </a:defRPr>
+              </a:pPr>
+              <a:endParaRPr lang="ko-KR"/>
+            </a:p>
+          </c:txPr>
+        </c:title>
+        <c:numFmt formatCode="General" sourceLinked="1"/>
+        <c:majorTickMark val="none"/>
+        <c:minorTickMark val="none"/>
+        <c:tickLblPos val="nextTo"/>
+        <c:crossAx val="1915355088"/>
+        <c:crosses val="autoZero"/>
+        <c:crossBetween val="midCat"/>
+      </c:valAx>
+      <c:valAx>
+        <c:axId val="1915355088"/>
+        <c:scaling>
+          <c:orientation val="minMax"/>
+        </c:scaling>
+        <c:delete val="1"/>
+        <c:axPos val="l"/>
+        <c:majorGridlines>
+          <c:spPr>
+            <a:ln w="9525" cap="flat" cmpd="sng" algn="ctr">
+              <a:solidFill>
+                <a:schemeClr val="tx1">
+                  <a:lumMod val="15000"/>
+                  <a:lumOff val="85000"/>
+                </a:schemeClr>
+              </a:solidFill>
+              <a:round/>
+            </a:ln>
+            <a:effectLst/>
+          </c:spPr>
+        </c:majorGridlines>
+        <c:title>
+          <c:tx>
+            <c:rich>
+              <a:bodyPr rot="-5400000" spcFirstLastPara="1" vertOverflow="ellipsis" vert="horz" wrap="square" anchor="ctr" anchorCtr="1"/>
+              <a:lstStyle/>
+              <a:p>
+                <a:pPr>
+                  <a:defRPr sz="2800" b="1" i="0" u="none" strike="noStrike" kern="1200" baseline="0">
+                    <a:solidFill>
+                      <a:schemeClr val="tx1">
+                        <a:lumMod val="65000"/>
+                        <a:lumOff val="35000"/>
+                      </a:schemeClr>
+                    </a:solidFill>
+                    <a:latin typeface="+mn-lt"/>
+                    <a:ea typeface="+mn-ea"/>
+                    <a:cs typeface="+mn-cs"/>
+                  </a:defRPr>
+                </a:pPr>
+                <a:r>
+                  <a:rPr lang="en-US" altLang="ko-KR" sz="2800" b="1" dirty="0"/>
+                  <a:t>Y</a:t>
+                </a:r>
+                <a:endParaRPr lang="ko-KR" altLang="en-US" sz="2800" b="1" dirty="0"/>
+              </a:p>
+            </c:rich>
+          </c:tx>
+          <c:layout>
+            <c:manualLayout>
+              <c:xMode val="edge"/>
+              <c:yMode val="edge"/>
+              <c:x val="9.3749999999999997E-3"/>
+              <c:y val="2.6568342361691543E-2"/>
+            </c:manualLayout>
+          </c:layout>
+          <c:overlay val="0"/>
+          <c:spPr>
+            <a:noFill/>
+            <a:ln>
+              <a:noFill/>
+            </a:ln>
+            <a:effectLst/>
+          </c:spPr>
+          <c:txPr>
+            <a:bodyPr rot="-5400000" spcFirstLastPara="1" vertOverflow="ellipsis" vert="horz" wrap="square" anchor="ctr" anchorCtr="1"/>
+            <a:lstStyle/>
+            <a:p>
+              <a:pPr>
+                <a:defRPr sz="2800" b="1" i="0" u="none" strike="noStrike" kern="1200" baseline="0">
+                  <a:solidFill>
+                    <a:schemeClr val="tx1">
+                      <a:lumMod val="65000"/>
+                      <a:lumOff val="35000"/>
+                    </a:schemeClr>
+                  </a:solidFill>
+                  <a:latin typeface="+mn-lt"/>
+                  <a:ea typeface="+mn-ea"/>
+                  <a:cs typeface="+mn-cs"/>
+                </a:defRPr>
+              </a:pPr>
+              <a:endParaRPr lang="ko-KR"/>
+            </a:p>
+          </c:txPr>
+        </c:title>
+        <c:numFmt formatCode="General" sourceLinked="1"/>
+        <c:majorTickMark val="none"/>
+        <c:minorTickMark val="none"/>
+        <c:tickLblPos val="nextTo"/>
+        <c:crossAx val="1915302112"/>
+        <c:crosses val="autoZero"/>
+        <c:crossBetween val="midCat"/>
+      </c:valAx>
+      <c:spPr>
+        <a:noFill/>
+        <a:ln>
+          <a:noFill/>
+        </a:ln>
+        <a:effectLst/>
+      </c:spPr>
+    </c:plotArea>
+    <c:plotVisOnly val="1"/>
+    <c:dispBlanksAs val="gap"/>
+    <c:extLst>
+      <c:ext xmlns:c16r3="http://schemas.microsoft.com/office/drawing/2017/03/chart" uri="{56B9EC1D-385E-4148-901F-78D8002777C0}">
+        <c16r3:dataDisplayOptions16>
+          <c16r3:dispNaAsBlank val="1"/>
+        </c16r3:dataDisplayOptions16>
+      </c:ext>
+    </c:extLst>
+    <c:showDLblsOverMax val="0"/>
+  </c:chart>
+  <c:spPr>
+    <a:noFill/>
+    <a:ln>
+      <a:noFill/>
+    </a:ln>
+    <a:effectLst/>
+  </c:spPr>
+  <c:txPr>
+    <a:bodyPr/>
+    <a:lstStyle/>
+    <a:p>
+      <a:pPr>
+        <a:defRPr/>
+      </a:pPr>
+      <a:endParaRPr lang="ko-KR"/>
+    </a:p>
+  </c:txPr>
+  <c:externalData r:id="rId3">
+    <c:autoUpdate val="0"/>
+  </c:externalData>
+</c:chartSpace>
+</file>
+
+<file path=ppt/charts/colors1.xml><?xml version="1.0" encoding="utf-8"?>
+<cs:colorStyle xmlns:cs="http://schemas.microsoft.com/office/drawing/2012/chartStyle" xmlns:a="http://schemas.openxmlformats.org/drawingml/2006/main" meth="cycle" id="10">
+  <a:schemeClr val="accent1"/>
+  <a:schemeClr val="accent2"/>
+  <a:schemeClr val="accent3"/>
+  <a:schemeClr val="accent4"/>
+  <a:schemeClr val="accent5"/>
+  <a:schemeClr val="accent6"/>
+  <cs:variation/>
+  <cs:variation>
+    <a:lumMod val="60000"/>
+  </cs:variation>
+  <cs:variation>
+    <a:lumMod val="80000"/>
+    <a:lumOff val="20000"/>
+  </cs:variation>
+  <cs:variation>
+    <a:lumMod val="80000"/>
+  </cs:variation>
+  <cs:variation>
+    <a:lumMod val="60000"/>
+    <a:lumOff val="40000"/>
+  </cs:variation>
+  <cs:variation>
+    <a:lumMod val="50000"/>
+  </cs:variation>
+  <cs:variation>
+    <a:lumMod val="70000"/>
+    <a:lumOff val="30000"/>
+  </cs:variation>
+  <cs:variation>
+    <a:lumMod val="70000"/>
+  </cs:variation>
+  <cs:variation>
+    <a:lumMod val="50000"/>
+    <a:lumOff val="50000"/>
+  </cs:variation>
+</cs:colorStyle>
+</file>
+
+<file path=ppt/charts/colors2.xml><?xml version="1.0" encoding="utf-8"?>
+<cs:colorStyle xmlns:cs="http://schemas.microsoft.com/office/drawing/2012/chartStyle" xmlns:a="http://schemas.openxmlformats.org/drawingml/2006/main" meth="cycle" id="10">
+  <a:schemeClr val="accent1"/>
+  <a:schemeClr val="accent2"/>
+  <a:schemeClr val="accent3"/>
+  <a:schemeClr val="accent4"/>
+  <a:schemeClr val="accent5"/>
+  <a:schemeClr val="accent6"/>
+  <cs:variation/>
+  <cs:variation>
+    <a:lumMod val="60000"/>
+  </cs:variation>
+  <cs:variation>
+    <a:lumMod val="80000"/>
+    <a:lumOff val="20000"/>
+  </cs:variation>
+  <cs:variation>
+    <a:lumMod val="80000"/>
+  </cs:variation>
+  <cs:variation>
+    <a:lumMod val="60000"/>
+    <a:lumOff val="40000"/>
+  </cs:variation>
+  <cs:variation>
+    <a:lumMod val="50000"/>
+  </cs:variation>
+  <cs:variation>
+    <a:lumMod val="70000"/>
+    <a:lumOff val="30000"/>
+  </cs:variation>
+  <cs:variation>
+    <a:lumMod val="70000"/>
+  </cs:variation>
+  <cs:variation>
+    <a:lumMod val="50000"/>
+    <a:lumOff val="50000"/>
+  </cs:variation>
+</cs:colorStyle>
+</file>
+
+<file path=ppt/charts/style1.xml><?xml version="1.0" encoding="utf-8"?>
+<cs:chartStyle xmlns:cs="http://schemas.microsoft.com/office/drawing/2012/chartStyle" xmlns:a="http://schemas.openxmlformats.org/drawingml/2006/main" id="240">
+  <cs:axisTitle>
+    <cs:lnRef idx="0"/>
+    <cs:fillRef idx="0"/>
+    <cs:effectRef idx="0"/>
+    <cs:fontRef idx="minor">
+      <a:schemeClr val="tx1">
+        <a:lumMod val="65000"/>
+        <a:lumOff val="35000"/>
+      </a:schemeClr>
+    </cs:fontRef>
+    <cs:defRPr sz="1330" kern="1200"/>
+  </cs:axisTitle>
+  <cs:categoryAxis>
+    <cs:lnRef idx="0"/>
+    <cs:fillRef idx="0"/>
+    <cs:effectRef idx="0"/>
+    <cs:fontRef idx="minor">
+      <a:schemeClr val="tx1">
+        <a:lumMod val="65000"/>
+        <a:lumOff val="35000"/>
+      </a:schemeClr>
+    </cs:fontRef>
+    <cs:spPr>
+      <a:ln w="9525" cap="flat" cmpd="sng" algn="ctr">
+        <a:solidFill>
+          <a:schemeClr val="tx1">
+            <a:lumMod val="25000"/>
+            <a:lumOff val="75000"/>
+          </a:schemeClr>
+        </a:solidFill>
+        <a:round/>
+      </a:ln>
+    </cs:spPr>
+    <cs:defRPr sz="1197" kern="1200"/>
+  </cs:categoryAxis>
+  <cs:chartArea mods="allowNoFillOverride allowNoLineOverride">
+    <cs:lnRef idx="0"/>
+    <cs:fillRef idx="0"/>
+    <cs:effectRef idx="0"/>
+    <cs:fontRef idx="minor">
+      <a:schemeClr val="tx1"/>
+    </cs:fontRef>
+    <cs:spPr>
+      <a:solidFill>
+        <a:schemeClr val="bg1"/>
+      </a:solidFill>
+      <a:ln w="9525" cap="flat" cmpd="sng" algn="ctr">
+        <a:solidFill>
+          <a:schemeClr val="tx1">
+            <a:lumMod val="15000"/>
+            <a:lumOff val="85000"/>
+          </a:schemeClr>
+        </a:solidFill>
+        <a:round/>
+      </a:ln>
+    </cs:spPr>
+    <cs:defRPr sz="1330" kern="1200"/>
+  </cs:chartArea>
+  <cs:dataLabel>
+    <cs:lnRef idx="0"/>
+    <cs:fillRef idx="0"/>
+    <cs:effectRef idx="0"/>
+    <cs:fontRef idx="minor">
+      <a:schemeClr val="tx1">
+        <a:lumMod val="75000"/>
+        <a:lumOff val="25000"/>
+      </a:schemeClr>
+    </cs:fontRef>
+    <cs:defRPr sz="1197" kern="1200"/>
+  </cs:dataLabel>
+  <cs:dataLabelCallout>
+    <cs:lnRef idx="0"/>
+    <cs:fillRef idx="0"/>
+    <cs:effectRef idx="0"/>
+    <cs:fontRef idx="minor">
+      <a:schemeClr val="dk1">
+        <a:lumMod val="65000"/>
+        <a:lumOff val="35000"/>
+      </a:schemeClr>
+    </cs:fontRef>
+    <cs:spPr>
+      <a:solidFill>
+        <a:schemeClr val="lt1"/>
+      </a:solidFill>
+      <a:ln>
+        <a:solidFill>
+          <a:schemeClr val="dk1">
+            <a:lumMod val="25000"/>
+            <a:lumOff val="75000"/>
+          </a:schemeClr>
+        </a:solidFill>
+      </a:ln>
+    </cs:spPr>
+    <cs:defRPr sz="1197" kern="1200"/>
+    <cs:bodyPr rot="0" spcFirstLastPara="1" vertOverflow="clip" horzOverflow="clip" vert="horz" wrap="square" lIns="36576" tIns="18288" rIns="36576" bIns="18288" anchor="ctr" anchorCtr="1">
+      <a:spAutoFit/>
+    </cs:bodyPr>
+  </cs:dataLabelCallout>
+  <cs:dataPoint>
+    <cs:lnRef idx="0"/>
+    <cs:fillRef idx="1">
+      <cs:styleClr val="auto"/>
+    </cs:fillRef>
+    <cs:effectRef idx="0"/>
+    <cs:fontRef idx="minor">
+      <a:schemeClr val="tx1"/>
+    </cs:fontRef>
+  </cs:dataPoint>
+  <cs:dataPoint3D>
+    <cs:lnRef idx="0"/>
+    <cs:fillRef idx="1">
+      <cs:styleClr val="auto"/>
+    </cs:fillRef>
+    <cs:effectRef idx="0"/>
+    <cs:fontRef idx="minor">
+      <a:schemeClr val="tx1"/>
+    </cs:fontRef>
+  </cs:dataPoint3D>
+  <cs:dataPointLine>
+    <cs:lnRef idx="0">
+      <cs:styleClr val="auto"/>
+    </cs:lnRef>
+    <cs:fillRef idx="1"/>
+    <cs:effectRef idx="0"/>
+    <cs:fontRef idx="minor">
+      <a:schemeClr val="tx1"/>
+    </cs:fontRef>
+    <cs:spPr>
+      <a:ln w="19050" cap="rnd">
+        <a:solidFill>
+          <a:schemeClr val="phClr"/>
+        </a:solidFill>
+        <a:round/>
+      </a:ln>
+    </cs:spPr>
+  </cs:dataPointLine>
+  <cs:dataPointMarker>
+    <cs:lnRef idx="0">
+      <cs:styleClr val="auto"/>
+    </cs:lnRef>
+    <cs:fillRef idx="1">
+      <cs:styleClr val="auto"/>
+    </cs:fillRef>
+    <cs:effectRef idx="0"/>
+    <cs:fontRef idx="minor">
+      <a:schemeClr val="tx1"/>
+    </cs:fontRef>
+    <cs:spPr>
+      <a:ln w="9525">
+        <a:solidFill>
+          <a:schemeClr val="phClr"/>
+        </a:solidFill>
+      </a:ln>
+    </cs:spPr>
+  </cs:dataPointMarker>
+  <cs:dataPointMarkerLayout symbol="circle" size="5"/>
+  <cs:dataPointWireframe>
+    <cs:lnRef idx="0">
+      <cs:styleClr val="auto"/>
+    </cs:lnRef>
+    <cs:fillRef idx="0"/>
+    <cs:effectRef idx="0"/>
+    <cs:fontRef idx="minor">
+      <a:schemeClr val="dk1"/>
+    </cs:fontRef>
+    <cs:spPr>
+      <a:ln w="9525" cap="rnd">
+        <a:solidFill>
+          <a:schemeClr val="phClr"/>
+        </a:solidFill>
+        <a:round/>
+      </a:ln>
+    </cs:spPr>
+  </cs:dataPointWireframe>
+  <cs:dataTable>
+    <cs:lnRef idx="0"/>
+    <cs:fillRef idx="0"/>
+    <cs:effectRef idx="0"/>
+    <cs:fontRef idx="minor">
+      <a:schemeClr val="tx1">
+        <a:lumMod val="65000"/>
+        <a:lumOff val="35000"/>
+      </a:schemeClr>
+    </cs:fontRef>
+    <cs:spPr>
+      <a:noFill/>
+      <a:ln w="9525" cap="flat" cmpd="sng" algn="ctr">
+        <a:solidFill>
+          <a:schemeClr val="tx1">
+            <a:lumMod val="15000"/>
+            <a:lumOff val="85000"/>
+          </a:schemeClr>
+        </a:solidFill>
+        <a:round/>
+      </a:ln>
+    </cs:spPr>
+    <cs:defRPr sz="1197" kern="1200"/>
+  </cs:dataTable>
+  <cs:downBar>
+    <cs:lnRef idx="0"/>
+    <cs:fillRef idx="0"/>
+    <cs:effectRef idx="0"/>
+    <cs:fontRef idx="minor">
+      <a:schemeClr val="tx1"/>
+    </cs:fontRef>
+    <cs:spPr>
+      <a:solidFill>
+        <a:schemeClr val="dk1">
+          <a:lumMod val="75000"/>
+          <a:lumOff val="25000"/>
+        </a:schemeClr>
+      </a:solidFill>
+      <a:ln w="9525" cap="flat" cmpd="sng" algn="ctr">
+        <a:solidFill>
+          <a:schemeClr val="tx1">
+            <a:lumMod val="65000"/>
+            <a:lumOff val="35000"/>
+          </a:schemeClr>
+        </a:solidFill>
+        <a:round/>
+      </a:ln>
+    </cs:spPr>
+  </cs:downBar>
+  <cs:dropLine>
+    <cs:lnRef idx="0"/>
+    <cs:fillRef idx="0"/>
+    <cs:effectRef idx="0"/>
+    <cs:fontRef idx="minor">
+      <a:schemeClr val="tx1"/>
+    </cs:fontRef>
+    <cs:spPr>
+      <a:ln w="9525" cap="flat" cmpd="sng" algn="ctr">
+        <a:solidFill>
+          <a:schemeClr val="tx1">
+            <a:lumMod val="35000"/>
+            <a:lumOff val="65000"/>
+          </a:schemeClr>
+        </a:solidFill>
+        <a:round/>
+      </a:ln>
+    </cs:spPr>
+  </cs:dropLine>
+  <cs:errorBar>
+    <cs:lnRef idx="0"/>
+    <cs:fillRef idx="0"/>
+    <cs:effectRef idx="0"/>
+    <cs:fontRef idx="minor">
+      <a:schemeClr val="tx1"/>
+    </cs:fontRef>
+    <cs:spPr>
+      <a:ln w="9525" cap="flat" cmpd="sng" algn="ctr">
+        <a:solidFill>
+          <a:schemeClr val="tx1">
+            <a:lumMod val="65000"/>
+            <a:lumOff val="35000"/>
+          </a:schemeClr>
+        </a:solidFill>
+        <a:round/>
+      </a:ln>
+    </cs:spPr>
+  </cs:errorBar>
+  <cs:floor>
+    <cs:lnRef idx="0"/>
+    <cs:fillRef idx="0"/>
+    <cs:effectRef idx="0"/>
+    <cs:fontRef idx="minor">
+      <a:schemeClr val="tx1"/>
+    </cs:fontRef>
+    <cs:spPr>
+      <a:noFill/>
+      <a:ln>
+        <a:noFill/>
+      </a:ln>
+    </cs:spPr>
+  </cs:floor>
+  <cs:gridlineMajor>
+    <cs:lnRef idx="0"/>
+    <cs:fillRef idx="0"/>
+    <cs:effectRef idx="0"/>
+    <cs:fontRef idx="minor">
+      <a:schemeClr val="tx1"/>
+    </cs:fontRef>
+    <cs:spPr>
+      <a:ln w="9525" cap="flat" cmpd="sng" algn="ctr">
+        <a:solidFill>
+          <a:schemeClr val="tx1">
+            <a:lumMod val="15000"/>
+            <a:lumOff val="85000"/>
+          </a:schemeClr>
+        </a:solidFill>
+        <a:round/>
+      </a:ln>
+    </cs:spPr>
+  </cs:gridlineMajor>
+  <cs:gridlineMinor>
+    <cs:lnRef idx="0"/>
+    <cs:fillRef idx="0"/>
+    <cs:effectRef idx="0"/>
+    <cs:fontRef idx="minor">
+      <a:schemeClr val="tx1"/>
+    </cs:fontRef>
+    <cs:spPr>
+      <a:ln w="9525" cap="flat" cmpd="sng" algn="ctr">
+        <a:solidFill>
+          <a:schemeClr val="tx1">
+            <a:lumMod val="5000"/>
+            <a:lumOff val="95000"/>
+          </a:schemeClr>
+        </a:solidFill>
+        <a:round/>
+      </a:ln>
+    </cs:spPr>
+  </cs:gridlineMinor>
+  <cs:hiLoLine>
+    <cs:lnRef idx="0"/>
+    <cs:fillRef idx="0"/>
+    <cs:effectRef idx="0"/>
+    <cs:fontRef idx="minor">
+      <a:schemeClr val="tx1"/>
+    </cs:fontRef>
+    <cs:spPr>
+      <a:ln w="9525" cap="flat" cmpd="sng" algn="ctr">
+        <a:solidFill>
+          <a:schemeClr val="tx1">
+            <a:lumMod val="50000"/>
+            <a:lumOff val="50000"/>
+          </a:schemeClr>
+        </a:solidFill>
+        <a:round/>
+      </a:ln>
+    </cs:spPr>
+  </cs:hiLoLine>
+  <cs:leaderLine>
+    <cs:lnRef idx="0"/>
+    <cs:fillRef idx="0"/>
+    <cs:effectRef idx="0"/>
+    <cs:fontRef idx="minor">
+      <a:schemeClr val="tx1"/>
+    </cs:fontRef>
+    <cs:spPr>
+      <a:ln w="9525" cap="flat" cmpd="sng" algn="ctr">
+        <a:solidFill>
+          <a:schemeClr val="tx1">
+            <a:lumMod val="35000"/>
+            <a:lumOff val="65000"/>
+          </a:schemeClr>
+        </a:solidFill>
+        <a:round/>
+      </a:ln>
+    </cs:spPr>
+  </cs:leaderLine>
+  <cs:legend>
+    <cs:lnRef idx="0"/>
+    <cs:fillRef idx="0"/>
+    <cs:effectRef idx="0"/>
+    <cs:fontRef idx="minor">
+      <a:schemeClr val="tx1">
+        <a:lumMod val="65000"/>
+        <a:lumOff val="35000"/>
+      </a:schemeClr>
+    </cs:fontRef>
+    <cs:defRPr sz="1197" kern="1200"/>
+  </cs:legend>
+  <cs:plotArea mods="allowNoFillOverride allowNoLineOverride">
+    <cs:lnRef idx="0"/>
+    <cs:fillRef idx="0"/>
+    <cs:effectRef idx="0"/>
+    <cs:fontRef idx="minor">
+      <a:schemeClr val="tx1"/>
+    </cs:fontRef>
+  </cs:plotArea>
+  <cs:plotArea3D mods="allowNoFillOverride allowNoLineOverride">
+    <cs:lnRef idx="0"/>
+    <cs:fillRef idx="0"/>
+    <cs:effectRef idx="0"/>
+    <cs:fontRef idx="minor">
+      <a:schemeClr val="tx1"/>
+    </cs:fontRef>
+  </cs:plotArea3D>
+  <cs:seriesAxis>
+    <cs:lnRef idx="0"/>
+    <cs:fillRef idx="0"/>
+    <cs:effectRef idx="0"/>
+    <cs:fontRef idx="minor">
+      <a:schemeClr val="tx1">
+        <a:lumMod val="65000"/>
+        <a:lumOff val="35000"/>
+      </a:schemeClr>
+    </cs:fontRef>
+    <cs:defRPr sz="1197" kern="1200"/>
+  </cs:seriesAxis>
+  <cs:seriesLine>
+    <cs:lnRef idx="0"/>
+    <cs:fillRef idx="0"/>
+    <cs:effectRef idx="0"/>
+    <cs:fontRef idx="minor">
+      <a:schemeClr val="tx1"/>
+    </cs:fontRef>
+    <cs:spPr>
+      <a:ln w="9525" cap="flat" cmpd="sng" algn="ctr">
+        <a:solidFill>
+          <a:schemeClr val="tx1">
+            <a:lumMod val="35000"/>
+            <a:lumOff val="65000"/>
+          </a:schemeClr>
+        </a:solidFill>
+        <a:round/>
+      </a:ln>
+    </cs:spPr>
+  </cs:seriesLine>
+  <cs:title>
+    <cs:lnRef idx="0"/>
+    <cs:fillRef idx="0"/>
+    <cs:effectRef idx="0"/>
+    <cs:fontRef idx="minor">
+      <a:schemeClr val="tx1">
+        <a:lumMod val="65000"/>
+        <a:lumOff val="35000"/>
+      </a:schemeClr>
+    </cs:fontRef>
+    <cs:defRPr sz="1862" b="0" kern="1200" spc="0" baseline="0"/>
+  </cs:title>
+  <cs:trendline>
+    <cs:lnRef idx="0">
+      <cs:styleClr val="auto"/>
+    </cs:lnRef>
+    <cs:fillRef idx="0"/>
+    <cs:effectRef idx="0"/>
+    <cs:fontRef idx="minor">
+      <a:schemeClr val="tx1"/>
+    </cs:fontRef>
+    <cs:spPr>
+      <a:ln w="19050" cap="rnd">
+        <a:solidFill>
+          <a:schemeClr val="phClr"/>
+        </a:solidFill>
+        <a:prstDash val="sysDot"/>
+      </a:ln>
+    </cs:spPr>
+  </cs:trendline>
+  <cs:trendlineLabel>
+    <cs:lnRef idx="0"/>
+    <cs:fillRef idx="0"/>
+    <cs:effectRef idx="0"/>
+    <cs:fontRef idx="minor">
+      <a:schemeClr val="tx1">
+        <a:lumMod val="65000"/>
+        <a:lumOff val="35000"/>
+      </a:schemeClr>
+    </cs:fontRef>
+    <cs:defRPr sz="1197" kern="1200"/>
+  </cs:trendlineLabel>
+  <cs:upBar>
+    <cs:lnRef idx="0"/>
+    <cs:fillRef idx="0"/>
+    <cs:effectRef idx="0"/>
+    <cs:fontRef idx="minor">
+      <a:schemeClr val="tx1"/>
+    </cs:fontRef>
+    <cs:spPr>
+      <a:solidFill>
+        <a:schemeClr val="lt1"/>
+      </a:solidFill>
+      <a:ln w="9525" cap="flat" cmpd="sng" algn="ctr">
+        <a:solidFill>
+          <a:schemeClr val="tx1">
+            <a:lumMod val="65000"/>
+            <a:lumOff val="35000"/>
+          </a:schemeClr>
+        </a:solidFill>
+        <a:round/>
+      </a:ln>
+    </cs:spPr>
+  </cs:upBar>
+  <cs:valueAxis>
+    <cs:lnRef idx="0"/>
+    <cs:fillRef idx="0"/>
+    <cs:effectRef idx="0"/>
+    <cs:fontRef idx="minor">
+      <a:schemeClr val="tx1">
+        <a:lumMod val="65000"/>
+        <a:lumOff val="35000"/>
+      </a:schemeClr>
+    </cs:fontRef>
+    <cs:spPr>
+      <a:ln w="9525" cap="flat" cmpd="sng" algn="ctr">
+        <a:solidFill>
+          <a:schemeClr val="tx1">
+            <a:lumMod val="25000"/>
+            <a:lumOff val="75000"/>
+          </a:schemeClr>
+        </a:solidFill>
+        <a:round/>
+      </a:ln>
+    </cs:spPr>
+    <cs:defRPr sz="1197" kern="1200"/>
+  </cs:valueAxis>
+  <cs:wall>
+    <cs:lnRef idx="0"/>
+    <cs:fillRef idx="0"/>
+    <cs:effectRef idx="0"/>
+    <cs:fontRef idx="minor">
+      <a:schemeClr val="tx1"/>
+    </cs:fontRef>
+    <cs:spPr>
+      <a:noFill/>
+      <a:ln>
+        <a:noFill/>
+      </a:ln>
+    </cs:spPr>
+  </cs:wall>
+</cs:chartStyle>
+</file>
+
+<file path=ppt/charts/style2.xml><?xml version="1.0" encoding="utf-8"?>
+<cs:chartStyle xmlns:cs="http://schemas.microsoft.com/office/drawing/2012/chartStyle" xmlns:a="http://schemas.openxmlformats.org/drawingml/2006/main" id="240">
+  <cs:axisTitle>
+    <cs:lnRef idx="0"/>
+    <cs:fillRef idx="0"/>
+    <cs:effectRef idx="0"/>
+    <cs:fontRef idx="minor">
+      <a:schemeClr val="tx1">
+        <a:lumMod val="65000"/>
+        <a:lumOff val="35000"/>
+      </a:schemeClr>
+    </cs:fontRef>
+    <cs:defRPr sz="1330" kern="1200"/>
+  </cs:axisTitle>
+  <cs:categoryAxis>
+    <cs:lnRef idx="0"/>
+    <cs:fillRef idx="0"/>
+    <cs:effectRef idx="0"/>
+    <cs:fontRef idx="minor">
+      <a:schemeClr val="tx1">
+        <a:lumMod val="65000"/>
+        <a:lumOff val="35000"/>
+      </a:schemeClr>
+    </cs:fontRef>
+    <cs:spPr>
+      <a:ln w="9525" cap="flat" cmpd="sng" algn="ctr">
+        <a:solidFill>
+          <a:schemeClr val="tx1">
+            <a:lumMod val="25000"/>
+            <a:lumOff val="75000"/>
+          </a:schemeClr>
+        </a:solidFill>
+        <a:round/>
+      </a:ln>
+    </cs:spPr>
+    <cs:defRPr sz="1197" kern="1200"/>
+  </cs:categoryAxis>
+  <cs:chartArea mods="allowNoFillOverride allowNoLineOverride">
+    <cs:lnRef idx="0"/>
+    <cs:fillRef idx="0"/>
+    <cs:effectRef idx="0"/>
+    <cs:fontRef idx="minor">
+      <a:schemeClr val="tx1"/>
+    </cs:fontRef>
+    <cs:spPr>
+      <a:solidFill>
+        <a:schemeClr val="bg1"/>
+      </a:solidFill>
+      <a:ln w="9525" cap="flat" cmpd="sng" algn="ctr">
+        <a:solidFill>
+          <a:schemeClr val="tx1">
+            <a:lumMod val="15000"/>
+            <a:lumOff val="85000"/>
+          </a:schemeClr>
+        </a:solidFill>
+        <a:round/>
+      </a:ln>
+    </cs:spPr>
+    <cs:defRPr sz="1330" kern="1200"/>
+  </cs:chartArea>
+  <cs:dataLabel>
+    <cs:lnRef idx="0"/>
+    <cs:fillRef idx="0"/>
+    <cs:effectRef idx="0"/>
+    <cs:fontRef idx="minor">
+      <a:schemeClr val="tx1">
+        <a:lumMod val="75000"/>
+        <a:lumOff val="25000"/>
+      </a:schemeClr>
+    </cs:fontRef>
+    <cs:defRPr sz="1197" kern="1200"/>
+  </cs:dataLabel>
+  <cs:dataLabelCallout>
+    <cs:lnRef idx="0"/>
+    <cs:fillRef idx="0"/>
+    <cs:effectRef idx="0"/>
+    <cs:fontRef idx="minor">
+      <a:schemeClr val="dk1">
+        <a:lumMod val="65000"/>
+        <a:lumOff val="35000"/>
+      </a:schemeClr>
+    </cs:fontRef>
+    <cs:spPr>
+      <a:solidFill>
+        <a:schemeClr val="lt1"/>
+      </a:solidFill>
+      <a:ln>
+        <a:solidFill>
+          <a:schemeClr val="dk1">
+            <a:lumMod val="25000"/>
+            <a:lumOff val="75000"/>
+          </a:schemeClr>
+        </a:solidFill>
+      </a:ln>
+    </cs:spPr>
+    <cs:defRPr sz="1197" kern="1200"/>
+    <cs:bodyPr rot="0" spcFirstLastPara="1" vertOverflow="clip" horzOverflow="clip" vert="horz" wrap="square" lIns="36576" tIns="18288" rIns="36576" bIns="18288" anchor="ctr" anchorCtr="1">
+      <a:spAutoFit/>
+    </cs:bodyPr>
+  </cs:dataLabelCallout>
+  <cs:dataPoint>
+    <cs:lnRef idx="0"/>
+    <cs:fillRef idx="1">
+      <cs:styleClr val="auto"/>
+    </cs:fillRef>
+    <cs:effectRef idx="0"/>
+    <cs:fontRef idx="minor">
+      <a:schemeClr val="tx1"/>
+    </cs:fontRef>
+  </cs:dataPoint>
+  <cs:dataPoint3D>
+    <cs:lnRef idx="0"/>
+    <cs:fillRef idx="1">
+      <cs:styleClr val="auto"/>
+    </cs:fillRef>
+    <cs:effectRef idx="0"/>
+    <cs:fontRef idx="minor">
+      <a:schemeClr val="tx1"/>
+    </cs:fontRef>
+  </cs:dataPoint3D>
+  <cs:dataPointLine>
+    <cs:lnRef idx="0">
+      <cs:styleClr val="auto"/>
+    </cs:lnRef>
+    <cs:fillRef idx="1"/>
+    <cs:effectRef idx="0"/>
+    <cs:fontRef idx="minor">
+      <a:schemeClr val="tx1"/>
+    </cs:fontRef>
+    <cs:spPr>
+      <a:ln w="19050" cap="rnd">
+        <a:solidFill>
+          <a:schemeClr val="phClr"/>
+        </a:solidFill>
+        <a:round/>
+      </a:ln>
+    </cs:spPr>
+  </cs:dataPointLine>
+  <cs:dataPointMarker>
+    <cs:lnRef idx="0">
+      <cs:styleClr val="auto"/>
+    </cs:lnRef>
+    <cs:fillRef idx="1">
+      <cs:styleClr val="auto"/>
+    </cs:fillRef>
+    <cs:effectRef idx="0"/>
+    <cs:fontRef idx="minor">
+      <a:schemeClr val="tx1"/>
+    </cs:fontRef>
+    <cs:spPr>
+      <a:ln w="9525">
+        <a:solidFill>
+          <a:schemeClr val="phClr"/>
+        </a:solidFill>
+      </a:ln>
+    </cs:spPr>
+  </cs:dataPointMarker>
+  <cs:dataPointMarkerLayout symbol="circle" size="5"/>
+  <cs:dataPointWireframe>
+    <cs:lnRef idx="0">
+      <cs:styleClr val="auto"/>
+    </cs:lnRef>
+    <cs:fillRef idx="0"/>
+    <cs:effectRef idx="0"/>
+    <cs:fontRef idx="minor">
+      <a:schemeClr val="dk1"/>
+    </cs:fontRef>
+    <cs:spPr>
+      <a:ln w="9525" cap="rnd">
+        <a:solidFill>
+          <a:schemeClr val="phClr"/>
+        </a:solidFill>
+        <a:round/>
+      </a:ln>
+    </cs:spPr>
+  </cs:dataPointWireframe>
+  <cs:dataTable>
+    <cs:lnRef idx="0"/>
+    <cs:fillRef idx="0"/>
+    <cs:effectRef idx="0"/>
+    <cs:fontRef idx="minor">
+      <a:schemeClr val="tx1">
+        <a:lumMod val="65000"/>
+        <a:lumOff val="35000"/>
+      </a:schemeClr>
+    </cs:fontRef>
+    <cs:spPr>
+      <a:noFill/>
+      <a:ln w="9525" cap="flat" cmpd="sng" algn="ctr">
+        <a:solidFill>
+          <a:schemeClr val="tx1">
+            <a:lumMod val="15000"/>
+            <a:lumOff val="85000"/>
+          </a:schemeClr>
+        </a:solidFill>
+        <a:round/>
+      </a:ln>
+    </cs:spPr>
+    <cs:defRPr sz="1197" kern="1200"/>
+  </cs:dataTable>
+  <cs:downBar>
+    <cs:lnRef idx="0"/>
+    <cs:fillRef idx="0"/>
+    <cs:effectRef idx="0"/>
+    <cs:fontRef idx="minor">
+      <a:schemeClr val="tx1"/>
+    </cs:fontRef>
+    <cs:spPr>
+      <a:solidFill>
+        <a:schemeClr val="dk1">
+          <a:lumMod val="75000"/>
+          <a:lumOff val="25000"/>
+        </a:schemeClr>
+      </a:solidFill>
+      <a:ln w="9525" cap="flat" cmpd="sng" algn="ctr">
+        <a:solidFill>
+          <a:schemeClr val="tx1">
+            <a:lumMod val="65000"/>
+            <a:lumOff val="35000"/>
+          </a:schemeClr>
+        </a:solidFill>
+        <a:round/>
+      </a:ln>
+    </cs:spPr>
+  </cs:downBar>
+  <cs:dropLine>
+    <cs:lnRef idx="0"/>
+    <cs:fillRef idx="0"/>
+    <cs:effectRef idx="0"/>
+    <cs:fontRef idx="minor">
+      <a:schemeClr val="tx1"/>
+    </cs:fontRef>
+    <cs:spPr>
+      <a:ln w="9525" cap="flat" cmpd="sng" algn="ctr">
+        <a:solidFill>
+          <a:schemeClr val="tx1">
+            <a:lumMod val="35000"/>
+            <a:lumOff val="65000"/>
+          </a:schemeClr>
+        </a:solidFill>
+        <a:round/>
+      </a:ln>
+    </cs:spPr>
+  </cs:dropLine>
+  <cs:errorBar>
+    <cs:lnRef idx="0"/>
+    <cs:fillRef idx="0"/>
+    <cs:effectRef idx="0"/>
+    <cs:fontRef idx="minor">
+      <a:schemeClr val="tx1"/>
+    </cs:fontRef>
+    <cs:spPr>
+      <a:ln w="9525" cap="flat" cmpd="sng" algn="ctr">
+        <a:solidFill>
+          <a:schemeClr val="tx1">
+            <a:lumMod val="65000"/>
+            <a:lumOff val="35000"/>
+          </a:schemeClr>
+        </a:solidFill>
+        <a:round/>
+      </a:ln>
+    </cs:spPr>
+  </cs:errorBar>
+  <cs:floor>
+    <cs:lnRef idx="0"/>
+    <cs:fillRef idx="0"/>
+    <cs:effectRef idx="0"/>
+    <cs:fontRef idx="minor">
+      <a:schemeClr val="tx1"/>
+    </cs:fontRef>
+    <cs:spPr>
+      <a:noFill/>
+      <a:ln>
+        <a:noFill/>
+      </a:ln>
+    </cs:spPr>
+  </cs:floor>
+  <cs:gridlineMajor>
+    <cs:lnRef idx="0"/>
+    <cs:fillRef idx="0"/>
+    <cs:effectRef idx="0"/>
+    <cs:fontRef idx="minor">
+      <a:schemeClr val="tx1"/>
+    </cs:fontRef>
+    <cs:spPr>
+      <a:ln w="9525" cap="flat" cmpd="sng" algn="ctr">
+        <a:solidFill>
+          <a:schemeClr val="tx1">
+            <a:lumMod val="15000"/>
+            <a:lumOff val="85000"/>
+          </a:schemeClr>
+        </a:solidFill>
+        <a:round/>
+      </a:ln>
+    </cs:spPr>
+  </cs:gridlineMajor>
+  <cs:gridlineMinor>
+    <cs:lnRef idx="0"/>
+    <cs:fillRef idx="0"/>
+    <cs:effectRef idx="0"/>
+    <cs:fontRef idx="minor">
+      <a:schemeClr val="tx1"/>
+    </cs:fontRef>
+    <cs:spPr>
+      <a:ln w="9525" cap="flat" cmpd="sng" algn="ctr">
+        <a:solidFill>
+          <a:schemeClr val="tx1">
+            <a:lumMod val="5000"/>
+            <a:lumOff val="95000"/>
+          </a:schemeClr>
+        </a:solidFill>
+        <a:round/>
+      </a:ln>
+    </cs:spPr>
+  </cs:gridlineMinor>
+  <cs:hiLoLine>
+    <cs:lnRef idx="0"/>
+    <cs:fillRef idx="0"/>
+    <cs:effectRef idx="0"/>
+    <cs:fontRef idx="minor">
+      <a:schemeClr val="tx1"/>
+    </cs:fontRef>
+    <cs:spPr>
+      <a:ln w="9525" cap="flat" cmpd="sng" algn="ctr">
+        <a:solidFill>
+          <a:schemeClr val="tx1">
+            <a:lumMod val="50000"/>
+            <a:lumOff val="50000"/>
+          </a:schemeClr>
+        </a:solidFill>
+        <a:round/>
+      </a:ln>
+    </cs:spPr>
+  </cs:hiLoLine>
+  <cs:leaderLine>
+    <cs:lnRef idx="0"/>
+    <cs:fillRef idx="0"/>
+    <cs:effectRef idx="0"/>
+    <cs:fontRef idx="minor">
+      <a:schemeClr val="tx1"/>
+    </cs:fontRef>
+    <cs:spPr>
+      <a:ln w="9525" cap="flat" cmpd="sng" algn="ctr">
+        <a:solidFill>
+          <a:schemeClr val="tx1">
+            <a:lumMod val="35000"/>
+            <a:lumOff val="65000"/>
+          </a:schemeClr>
+        </a:solidFill>
+        <a:round/>
+      </a:ln>
+    </cs:spPr>
+  </cs:leaderLine>
+  <cs:legend>
+    <cs:lnRef idx="0"/>
+    <cs:fillRef idx="0"/>
+    <cs:effectRef idx="0"/>
+    <cs:fontRef idx="minor">
+      <a:schemeClr val="tx1">
+        <a:lumMod val="65000"/>
+        <a:lumOff val="35000"/>
+      </a:schemeClr>
+    </cs:fontRef>
+    <cs:defRPr sz="1197" kern="1200"/>
+  </cs:legend>
+  <cs:plotArea mods="allowNoFillOverride allowNoLineOverride">
+    <cs:lnRef idx="0"/>
+    <cs:fillRef idx="0"/>
+    <cs:effectRef idx="0"/>
+    <cs:fontRef idx="minor">
+      <a:schemeClr val="tx1"/>
+    </cs:fontRef>
+  </cs:plotArea>
+  <cs:plotArea3D mods="allowNoFillOverride allowNoLineOverride">
+    <cs:lnRef idx="0"/>
+    <cs:fillRef idx="0"/>
+    <cs:effectRef idx="0"/>
+    <cs:fontRef idx="minor">
+      <a:schemeClr val="tx1"/>
+    </cs:fontRef>
+  </cs:plotArea3D>
+  <cs:seriesAxis>
+    <cs:lnRef idx="0"/>
+    <cs:fillRef idx="0"/>
+    <cs:effectRef idx="0"/>
+    <cs:fontRef idx="minor">
+      <a:schemeClr val="tx1">
+        <a:lumMod val="65000"/>
+        <a:lumOff val="35000"/>
+      </a:schemeClr>
+    </cs:fontRef>
+    <cs:defRPr sz="1197" kern="1200"/>
+  </cs:seriesAxis>
+  <cs:seriesLine>
+    <cs:lnRef idx="0"/>
+    <cs:fillRef idx="0"/>
+    <cs:effectRef idx="0"/>
+    <cs:fontRef idx="minor">
+      <a:schemeClr val="tx1"/>
+    </cs:fontRef>
+    <cs:spPr>
+      <a:ln w="9525" cap="flat" cmpd="sng" algn="ctr">
+        <a:solidFill>
+          <a:schemeClr val="tx1">
+            <a:lumMod val="35000"/>
+            <a:lumOff val="65000"/>
+          </a:schemeClr>
+        </a:solidFill>
+        <a:round/>
+      </a:ln>
+    </cs:spPr>
+  </cs:seriesLine>
+  <cs:title>
+    <cs:lnRef idx="0"/>
+    <cs:fillRef idx="0"/>
+    <cs:effectRef idx="0"/>
+    <cs:fontRef idx="minor">
+      <a:schemeClr val="tx1">
+        <a:lumMod val="65000"/>
+        <a:lumOff val="35000"/>
+      </a:schemeClr>
+    </cs:fontRef>
+    <cs:defRPr sz="1862" b="0" kern="1200" spc="0" baseline="0"/>
+  </cs:title>
+  <cs:trendline>
+    <cs:lnRef idx="0">
+      <cs:styleClr val="auto"/>
+    </cs:lnRef>
+    <cs:fillRef idx="0"/>
+    <cs:effectRef idx="0"/>
+    <cs:fontRef idx="minor">
+      <a:schemeClr val="tx1"/>
+    </cs:fontRef>
+    <cs:spPr>
+      <a:ln w="19050" cap="rnd">
+        <a:solidFill>
+          <a:schemeClr val="phClr"/>
+        </a:solidFill>
+        <a:prstDash val="sysDot"/>
+      </a:ln>
+    </cs:spPr>
+  </cs:trendline>
+  <cs:trendlineLabel>
+    <cs:lnRef idx="0"/>
+    <cs:fillRef idx="0"/>
+    <cs:effectRef idx="0"/>
+    <cs:fontRef idx="minor">
+      <a:schemeClr val="tx1">
+        <a:lumMod val="65000"/>
+        <a:lumOff val="35000"/>
+      </a:schemeClr>
+    </cs:fontRef>
+    <cs:defRPr sz="1197" kern="1200"/>
+  </cs:trendlineLabel>
+  <cs:upBar>
+    <cs:lnRef idx="0"/>
+    <cs:fillRef idx="0"/>
+    <cs:effectRef idx="0"/>
+    <cs:fontRef idx="minor">
+      <a:schemeClr val="tx1"/>
+    </cs:fontRef>
+    <cs:spPr>
+      <a:solidFill>
+        <a:schemeClr val="lt1"/>
+      </a:solidFill>
+      <a:ln w="9525" cap="flat" cmpd="sng" algn="ctr">
+        <a:solidFill>
+          <a:schemeClr val="tx1">
+            <a:lumMod val="65000"/>
+            <a:lumOff val="35000"/>
+          </a:schemeClr>
+        </a:solidFill>
+        <a:round/>
+      </a:ln>
+    </cs:spPr>
+  </cs:upBar>
+  <cs:valueAxis>
+    <cs:lnRef idx="0"/>
+    <cs:fillRef idx="0"/>
+    <cs:effectRef idx="0"/>
+    <cs:fontRef idx="minor">
+      <a:schemeClr val="tx1">
+        <a:lumMod val="65000"/>
+        <a:lumOff val="35000"/>
+      </a:schemeClr>
+    </cs:fontRef>
+    <cs:spPr>
+      <a:ln w="9525" cap="flat" cmpd="sng" algn="ctr">
+        <a:solidFill>
+          <a:schemeClr val="tx1">
+            <a:lumMod val="25000"/>
+            <a:lumOff val="75000"/>
+          </a:schemeClr>
+        </a:solidFill>
+        <a:round/>
+      </a:ln>
+    </cs:spPr>
+    <cs:defRPr sz="1197" kern="1200"/>
+  </cs:valueAxis>
+  <cs:wall>
+    <cs:lnRef idx="0"/>
+    <cs:fillRef idx="0"/>
+    <cs:effectRef idx="0"/>
+    <cs:fontRef idx="minor">
+      <a:schemeClr val="tx1"/>
+    </cs:fontRef>
+    <cs:spPr>
+      <a:noFill/>
+      <a:ln>
+        <a:noFill/>
+      </a:ln>
+    </cs:spPr>
+  </cs:wall>
+</cs:chartStyle>
 </file>
 
 <file path=ppt/slideLayouts/slideLayout1.xml><?xml version="1.0" encoding="utf-8"?>
@@ -1303,6 +3174,11 @@
               <a:rPr kumimoji="1" lang="ko-KR" altLang="en-US" dirty="0"/>
               <a:t>사용 목적</a:t>
             </a:r>
+            <a:r>
+              <a:rPr kumimoji="1" lang="en-US" altLang="ko-KR" dirty="0"/>
+              <a:t>(1)</a:t>
+            </a:r>
+            <a:endParaRPr kumimoji="1" lang="ko-KR" altLang="en-US" dirty="0"/>
           </a:p>
         </p:txBody>
       </p:sp>
@@ -1413,61 +3289,9 @@
             </a:r>
           </a:p>
           <a:p>
-            <a:r>
-              <a:rPr lang="ko-KR" altLang="en-US" dirty="0"/>
-              <a:t>다중 선형 회귀 모델</a:t>
-            </a:r>
-            <a:endParaRPr lang="en-US" altLang="ko-KR" dirty="0"/>
-          </a:p>
-          <a:p>
-            <a:pPr lvl="1"/>
-            <a:r>
-              <a:rPr lang="ko-KR" altLang="en-US" dirty="0"/>
-              <a:t>여러 개의 요인</a:t>
-            </a:r>
-            <a:r>
-              <a:rPr lang="en-US" altLang="ko-KR" dirty="0"/>
-              <a:t>(</a:t>
-            </a:r>
-            <a:r>
-              <a:rPr lang="ko-KR" altLang="en-US" dirty="0"/>
-              <a:t>입력 변수</a:t>
-            </a:r>
-            <a:r>
-              <a:rPr lang="en-US" altLang="ko-KR" dirty="0"/>
-              <a:t>)</a:t>
-            </a:r>
-            <a:r>
-              <a:rPr lang="ko-KR" altLang="en-US" dirty="0"/>
-              <a:t>과 </a:t>
-            </a:r>
-            <a:r>
-              <a:rPr lang="en-US" altLang="ko-KR" dirty="0"/>
-              <a:t>1</a:t>
-            </a:r>
-            <a:r>
-              <a:rPr lang="ko-KR" altLang="en-US" dirty="0"/>
-              <a:t>개의 결과</a:t>
-            </a:r>
-            <a:r>
-              <a:rPr lang="en-US" altLang="ko-KR" dirty="0"/>
-              <a:t>(</a:t>
-            </a:r>
-            <a:r>
-              <a:rPr lang="ko-KR" altLang="en-US" dirty="0"/>
-              <a:t>타겟 변수</a:t>
-            </a:r>
-            <a:r>
-              <a:rPr lang="en-US" altLang="ko-KR" dirty="0"/>
-              <a:t>)</a:t>
-            </a:r>
-            <a:r>
-              <a:rPr lang="ko-KR" altLang="en-US" dirty="0"/>
-              <a:t>의 상관 관계를 분석</a:t>
-            </a:r>
-            <a:endParaRPr lang="en-US" altLang="ko-KR" dirty="0"/>
-          </a:p>
-          <a:p>
+            <a:pPr marL="457200" lvl="1" indent="0">
+              <a:buNone/>
+            </a:pPr>
             <a:endParaRPr lang="en-US" altLang="ko-KR" dirty="0"/>
           </a:p>
           <a:p>
@@ -1514,7 +3338,7 @@
           <p:cNvPr id="2" name="제목 1">
             <a:extLst>
               <a:ext uri="{FF2B5EF4-FFF2-40B4-BE49-F238E27FC236}">
-                <a16:creationId xmlns:a16="http://schemas.microsoft.com/office/drawing/2014/main" id="{0958CFCC-98E0-CC48-90EF-2802E7BA7A35}"/>
+                <a16:creationId xmlns:a16="http://schemas.microsoft.com/office/drawing/2014/main" id="{5F323529-59F2-334D-8391-F84745D580B0}"/>
               </a:ext>
             </a:extLst>
           </p:cNvPr>
@@ -1534,12 +3358,1512 @@
           </a:p>
         </p:txBody>
       </p:sp>
+      <p:graphicFrame>
+        <p:nvGraphicFramePr>
+          <p:cNvPr id="4" name="표 3">
+            <a:extLst>
+              <a:ext uri="{FF2B5EF4-FFF2-40B4-BE49-F238E27FC236}">
+                <a16:creationId xmlns:a16="http://schemas.microsoft.com/office/drawing/2014/main" id="{EC3D266D-F150-D945-8004-53C313295F56}"/>
+              </a:ext>
+            </a:extLst>
+          </p:cNvPr>
+          <p:cNvGraphicFramePr>
+            <a:graphicFrameLocks noGrp="1"/>
+          </p:cNvGraphicFramePr>
+          <p:nvPr>
+            <p:extLst>
+              <p:ext uri="{D42A27DB-BD31-4B8C-83A1-F6EECF244321}">
+                <p14:modId xmlns:p14="http://schemas.microsoft.com/office/powerpoint/2010/main" val="2614111758"/>
+              </p:ext>
+            </p:extLst>
+          </p:nvPr>
+        </p:nvGraphicFramePr>
+        <p:xfrm>
+          <a:off x="926059" y="984567"/>
+          <a:ext cx="3799174" cy="3837980"/>
+        </p:xfrm>
+        <a:graphic>
+          <a:graphicData uri="http://schemas.openxmlformats.org/drawingml/2006/table">
+            <a:tbl>
+              <a:tblPr firstRow="1" bandRow="1">
+                <a:tableStyleId>{5C22544A-7EE6-4342-B048-85BDC9FD1C3A}</a:tableStyleId>
+              </a:tblPr>
+              <a:tblGrid>
+                <a:gridCol w="846112">
+                  <a:extLst>
+                    <a:ext uri="{9D8B030D-6E8A-4147-A177-3AD203B41FA5}">
+                      <a16:colId xmlns:a16="http://schemas.microsoft.com/office/drawing/2014/main" val="3689815839"/>
+                    </a:ext>
+                  </a:extLst>
+                </a:gridCol>
+                <a:gridCol w="1476531">
+                  <a:extLst>
+                    <a:ext uri="{9D8B030D-6E8A-4147-A177-3AD203B41FA5}">
+                      <a16:colId xmlns:a16="http://schemas.microsoft.com/office/drawing/2014/main" val="3497895094"/>
+                    </a:ext>
+                  </a:extLst>
+                </a:gridCol>
+                <a:gridCol w="1476531">
+                  <a:extLst>
+                    <a:ext uri="{9D8B030D-6E8A-4147-A177-3AD203B41FA5}">
+                      <a16:colId xmlns:a16="http://schemas.microsoft.com/office/drawing/2014/main" val="205134356"/>
+                    </a:ext>
+                  </a:extLst>
+                </a:gridCol>
+              </a:tblGrid>
+              <a:tr h="639580">
+                <a:tc>
+                  <a:txBody>
+                    <a:bodyPr/>
+                    <a:lstStyle/>
+                    <a:p>
+                      <a:pPr algn="ctr" latinLnBrk="1"/>
+                      <a:r>
+                        <a:rPr lang="en-US" altLang="ko-KR" dirty="0">
+                          <a:solidFill>
+                            <a:sysClr val="windowText" lastClr="000000"/>
+                          </a:solidFill>
+                        </a:rPr>
+                        <a:t>No</a:t>
+                      </a:r>
+                      <a:endParaRPr lang="ko-KR" altLang="en-US" dirty="0">
+                        <a:solidFill>
+                          <a:sysClr val="windowText" lastClr="000000"/>
+                        </a:solidFill>
+                      </a:endParaRPr>
+                    </a:p>
+                  </a:txBody>
+                  <a:tcPr anchor="ctr">
+                    <a:lnL w="12700" cap="flat" cmpd="sng" algn="ctr">
+                      <a:solidFill>
+                        <a:schemeClr val="tx1"/>
+                      </a:solidFill>
+                      <a:prstDash val="solid"/>
+                      <a:round/>
+                      <a:headEnd type="none" w="med" len="med"/>
+                      <a:tailEnd type="none" w="med" len="med"/>
+                    </a:lnL>
+                    <a:lnR w="12700" cap="flat" cmpd="sng" algn="ctr">
+                      <a:solidFill>
+                        <a:schemeClr val="tx1"/>
+                      </a:solidFill>
+                      <a:prstDash val="solid"/>
+                      <a:round/>
+                      <a:headEnd type="none" w="med" len="med"/>
+                      <a:tailEnd type="none" w="med" len="med"/>
+                    </a:lnR>
+                    <a:lnT w="12700" cap="flat" cmpd="sng" algn="ctr">
+                      <a:solidFill>
+                        <a:schemeClr val="tx1"/>
+                      </a:solidFill>
+                      <a:prstDash val="solid"/>
+                      <a:round/>
+                      <a:headEnd type="none" w="med" len="med"/>
+                      <a:tailEnd type="none" w="med" len="med"/>
+                    </a:lnT>
+                    <a:lnB w="12700" cap="flat" cmpd="sng" algn="ctr">
+                      <a:solidFill>
+                        <a:schemeClr val="tx1"/>
+                      </a:solidFill>
+                      <a:prstDash val="solid"/>
+                      <a:round/>
+                      <a:headEnd type="none" w="med" len="med"/>
+                      <a:tailEnd type="none" w="med" len="med"/>
+                    </a:lnB>
+                    <a:noFill/>
+                  </a:tcPr>
+                </a:tc>
+                <a:tc>
+                  <a:txBody>
+                    <a:bodyPr/>
+                    <a:lstStyle/>
+                    <a:p>
+                      <a:pPr algn="ctr" latinLnBrk="1"/>
+                      <a:r>
+                        <a:rPr lang="ko-KR" altLang="en-US" dirty="0">
+                          <a:solidFill>
+                            <a:sysClr val="windowText" lastClr="000000"/>
+                          </a:solidFill>
+                        </a:rPr>
+                        <a:t>수면 시간</a:t>
+                      </a:r>
+                      <a:endParaRPr lang="en-US" altLang="ko-KR" dirty="0">
+                        <a:solidFill>
+                          <a:sysClr val="windowText" lastClr="000000"/>
+                        </a:solidFill>
+                      </a:endParaRPr>
+                    </a:p>
+                    <a:p>
+                      <a:pPr algn="ctr" latinLnBrk="1"/>
+                      <a:r>
+                        <a:rPr lang="en-US" altLang="ko-KR" dirty="0">
+                          <a:solidFill>
+                            <a:sysClr val="windowText" lastClr="000000"/>
+                          </a:solidFill>
+                        </a:rPr>
+                        <a:t>(</a:t>
+                      </a:r>
+                      <a:r>
+                        <a:rPr lang="ko-KR" altLang="en-US" dirty="0">
+                          <a:solidFill>
+                            <a:sysClr val="windowText" lastClr="000000"/>
+                          </a:solidFill>
+                        </a:rPr>
+                        <a:t>입력 변수 </a:t>
+                      </a:r>
+                      <a:r>
+                        <a:rPr lang="en-US" altLang="ko-KR" dirty="0">
+                          <a:solidFill>
+                            <a:sysClr val="windowText" lastClr="000000"/>
+                          </a:solidFill>
+                        </a:rPr>
+                        <a:t>x)</a:t>
+                      </a:r>
+                      <a:endParaRPr lang="ko-KR" altLang="en-US" dirty="0">
+                        <a:solidFill>
+                          <a:sysClr val="windowText" lastClr="000000"/>
+                        </a:solidFill>
+                      </a:endParaRPr>
+                    </a:p>
+                  </a:txBody>
+                  <a:tcPr anchor="ctr">
+                    <a:lnL w="12700" cap="flat" cmpd="sng" algn="ctr">
+                      <a:solidFill>
+                        <a:schemeClr val="tx1"/>
+                      </a:solidFill>
+                      <a:prstDash val="solid"/>
+                      <a:round/>
+                      <a:headEnd type="none" w="med" len="med"/>
+                      <a:tailEnd type="none" w="med" len="med"/>
+                    </a:lnL>
+                    <a:lnR w="12700" cap="flat" cmpd="sng" algn="ctr">
+                      <a:solidFill>
+                        <a:schemeClr val="tx1"/>
+                      </a:solidFill>
+                      <a:prstDash val="solid"/>
+                      <a:round/>
+                      <a:headEnd type="none" w="med" len="med"/>
+                      <a:tailEnd type="none" w="med" len="med"/>
+                    </a:lnR>
+                    <a:lnT w="12700" cap="flat" cmpd="sng" algn="ctr">
+                      <a:solidFill>
+                        <a:schemeClr val="tx1"/>
+                      </a:solidFill>
+                      <a:prstDash val="solid"/>
+                      <a:round/>
+                      <a:headEnd type="none" w="med" len="med"/>
+                      <a:tailEnd type="none" w="med" len="med"/>
+                    </a:lnT>
+                    <a:lnB w="12700" cap="flat" cmpd="sng" algn="ctr">
+                      <a:solidFill>
+                        <a:schemeClr val="tx1"/>
+                      </a:solidFill>
+                      <a:prstDash val="solid"/>
+                      <a:round/>
+                      <a:headEnd type="none" w="med" len="med"/>
+                      <a:tailEnd type="none" w="med" len="med"/>
+                    </a:lnB>
+                    <a:noFill/>
+                  </a:tcPr>
+                </a:tc>
+                <a:tc>
+                  <a:txBody>
+                    <a:bodyPr/>
+                    <a:lstStyle/>
+                    <a:p>
+                      <a:pPr algn="ctr" latinLnBrk="1"/>
+                      <a:r>
+                        <a:rPr lang="ko-KR" altLang="en-US" dirty="0">
+                          <a:solidFill>
+                            <a:sysClr val="windowText" lastClr="000000"/>
+                          </a:solidFill>
+                        </a:rPr>
+                        <a:t>시험 점수</a:t>
+                      </a:r>
+                      <a:endParaRPr lang="en-US" altLang="ko-KR" dirty="0">
+                        <a:solidFill>
+                          <a:sysClr val="windowText" lastClr="000000"/>
+                        </a:solidFill>
+                      </a:endParaRPr>
+                    </a:p>
+                    <a:p>
+                      <a:pPr algn="ctr" latinLnBrk="1"/>
+                      <a:r>
+                        <a:rPr lang="en-US" altLang="ko-KR" dirty="0">
+                          <a:solidFill>
+                            <a:sysClr val="windowText" lastClr="000000"/>
+                          </a:solidFill>
+                        </a:rPr>
+                        <a:t>(</a:t>
+                      </a:r>
+                      <a:r>
+                        <a:rPr lang="ko-KR" altLang="en-US" dirty="0">
+                          <a:solidFill>
+                            <a:sysClr val="windowText" lastClr="000000"/>
+                          </a:solidFill>
+                        </a:rPr>
+                        <a:t>타겟 변수 </a:t>
+                      </a:r>
+                      <a:r>
+                        <a:rPr lang="en-US" altLang="ko-KR" dirty="0">
+                          <a:solidFill>
+                            <a:sysClr val="windowText" lastClr="000000"/>
+                          </a:solidFill>
+                        </a:rPr>
+                        <a:t>y)</a:t>
+                      </a:r>
+                      <a:endParaRPr lang="ko-KR" altLang="en-US" dirty="0">
+                        <a:solidFill>
+                          <a:sysClr val="windowText" lastClr="000000"/>
+                        </a:solidFill>
+                      </a:endParaRPr>
+                    </a:p>
+                  </a:txBody>
+                  <a:tcPr anchor="ctr">
+                    <a:lnL w="12700" cap="flat" cmpd="sng" algn="ctr">
+                      <a:solidFill>
+                        <a:schemeClr val="tx1"/>
+                      </a:solidFill>
+                      <a:prstDash val="solid"/>
+                      <a:round/>
+                      <a:headEnd type="none" w="med" len="med"/>
+                      <a:tailEnd type="none" w="med" len="med"/>
+                    </a:lnL>
+                    <a:lnR w="12700" cap="flat" cmpd="sng" algn="ctr">
+                      <a:solidFill>
+                        <a:schemeClr val="tx1"/>
+                      </a:solidFill>
+                      <a:prstDash val="solid"/>
+                      <a:round/>
+                      <a:headEnd type="none" w="med" len="med"/>
+                      <a:tailEnd type="none" w="med" len="med"/>
+                    </a:lnR>
+                    <a:lnT w="12700" cap="flat" cmpd="sng" algn="ctr">
+                      <a:solidFill>
+                        <a:schemeClr val="tx1"/>
+                      </a:solidFill>
+                      <a:prstDash val="solid"/>
+                      <a:round/>
+                      <a:headEnd type="none" w="med" len="med"/>
+                      <a:tailEnd type="none" w="med" len="med"/>
+                    </a:lnT>
+                    <a:lnB w="12700" cap="flat" cmpd="sng" algn="ctr">
+                      <a:solidFill>
+                        <a:schemeClr val="tx1"/>
+                      </a:solidFill>
+                      <a:prstDash val="solid"/>
+                      <a:round/>
+                      <a:headEnd type="none" w="med" len="med"/>
+                      <a:tailEnd type="none" w="med" len="med"/>
+                    </a:lnB>
+                    <a:noFill/>
+                  </a:tcPr>
+                </a:tc>
+                <a:extLst>
+                  <a:ext uri="{0D108BD9-81ED-4DB2-BD59-A6C34878D82A}">
+                    <a16:rowId xmlns:a16="http://schemas.microsoft.com/office/drawing/2014/main" val="3818877890"/>
+                  </a:ext>
+                </a:extLst>
+              </a:tr>
+              <a:tr h="639580">
+                <a:tc>
+                  <a:txBody>
+                    <a:bodyPr/>
+                    <a:lstStyle/>
+                    <a:p>
+                      <a:pPr algn="ctr" latinLnBrk="1"/>
+                      <a:r>
+                        <a:rPr lang="en-US" altLang="ko-KR" dirty="0">
+                          <a:solidFill>
+                            <a:sysClr val="windowText" lastClr="000000"/>
+                          </a:solidFill>
+                        </a:rPr>
+                        <a:t>1</a:t>
+                      </a:r>
+                      <a:endParaRPr lang="ko-KR" altLang="en-US" dirty="0">
+                        <a:solidFill>
+                          <a:sysClr val="windowText" lastClr="000000"/>
+                        </a:solidFill>
+                      </a:endParaRPr>
+                    </a:p>
+                  </a:txBody>
+                  <a:tcPr anchor="ctr">
+                    <a:lnL w="12700" cap="flat" cmpd="sng" algn="ctr">
+                      <a:solidFill>
+                        <a:schemeClr val="tx1"/>
+                      </a:solidFill>
+                      <a:prstDash val="solid"/>
+                      <a:round/>
+                      <a:headEnd type="none" w="med" len="med"/>
+                      <a:tailEnd type="none" w="med" len="med"/>
+                    </a:lnL>
+                    <a:lnR w="12700" cap="flat" cmpd="sng" algn="ctr">
+                      <a:solidFill>
+                        <a:schemeClr val="tx1"/>
+                      </a:solidFill>
+                      <a:prstDash val="solid"/>
+                      <a:round/>
+                      <a:headEnd type="none" w="med" len="med"/>
+                      <a:tailEnd type="none" w="med" len="med"/>
+                    </a:lnR>
+                    <a:lnT w="12700" cap="flat" cmpd="sng" algn="ctr">
+                      <a:solidFill>
+                        <a:schemeClr val="tx1"/>
+                      </a:solidFill>
+                      <a:prstDash val="solid"/>
+                      <a:round/>
+                      <a:headEnd type="none" w="med" len="med"/>
+                      <a:tailEnd type="none" w="med" len="med"/>
+                    </a:lnT>
+                    <a:lnB w="12700" cap="flat" cmpd="sng" algn="ctr">
+                      <a:solidFill>
+                        <a:schemeClr val="tx1"/>
+                      </a:solidFill>
+                      <a:prstDash val="solid"/>
+                      <a:round/>
+                      <a:headEnd type="none" w="med" len="med"/>
+                      <a:tailEnd type="none" w="med" len="med"/>
+                    </a:lnB>
+                    <a:noFill/>
+                  </a:tcPr>
+                </a:tc>
+                <a:tc>
+                  <a:txBody>
+                    <a:bodyPr/>
+                    <a:lstStyle/>
+                    <a:p>
+                      <a:pPr algn="ctr" latinLnBrk="1"/>
+                      <a:r>
+                        <a:rPr lang="en-US" altLang="ko-KR" dirty="0">
+                          <a:solidFill>
+                            <a:sysClr val="windowText" lastClr="000000"/>
+                          </a:solidFill>
+                        </a:rPr>
+                        <a:t>12</a:t>
+                      </a:r>
+                      <a:endParaRPr lang="ko-KR" altLang="en-US" dirty="0">
+                        <a:solidFill>
+                          <a:sysClr val="windowText" lastClr="000000"/>
+                        </a:solidFill>
+                      </a:endParaRPr>
+                    </a:p>
+                  </a:txBody>
+                  <a:tcPr anchor="ctr">
+                    <a:lnL w="12700" cap="flat" cmpd="sng" algn="ctr">
+                      <a:solidFill>
+                        <a:schemeClr val="tx1"/>
+                      </a:solidFill>
+                      <a:prstDash val="solid"/>
+                      <a:round/>
+                      <a:headEnd type="none" w="med" len="med"/>
+                      <a:tailEnd type="none" w="med" len="med"/>
+                    </a:lnL>
+                    <a:lnR w="12700" cap="flat" cmpd="sng" algn="ctr">
+                      <a:solidFill>
+                        <a:schemeClr val="tx1"/>
+                      </a:solidFill>
+                      <a:prstDash val="solid"/>
+                      <a:round/>
+                      <a:headEnd type="none" w="med" len="med"/>
+                      <a:tailEnd type="none" w="med" len="med"/>
+                    </a:lnR>
+                    <a:lnT w="12700" cap="flat" cmpd="sng" algn="ctr">
+                      <a:solidFill>
+                        <a:schemeClr val="tx1"/>
+                      </a:solidFill>
+                      <a:prstDash val="solid"/>
+                      <a:round/>
+                      <a:headEnd type="none" w="med" len="med"/>
+                      <a:tailEnd type="none" w="med" len="med"/>
+                    </a:lnT>
+                    <a:lnB w="12700" cap="flat" cmpd="sng" algn="ctr">
+                      <a:solidFill>
+                        <a:schemeClr val="tx1"/>
+                      </a:solidFill>
+                      <a:prstDash val="solid"/>
+                      <a:round/>
+                      <a:headEnd type="none" w="med" len="med"/>
+                      <a:tailEnd type="none" w="med" len="med"/>
+                    </a:lnB>
+                    <a:noFill/>
+                  </a:tcPr>
+                </a:tc>
+                <a:tc>
+                  <a:txBody>
+                    <a:bodyPr/>
+                    <a:lstStyle/>
+                    <a:p>
+                      <a:pPr algn="ctr" latinLnBrk="1"/>
+                      <a:r>
+                        <a:rPr lang="en-US" altLang="ko-KR" dirty="0">
+                          <a:solidFill>
+                            <a:sysClr val="windowText" lastClr="000000"/>
+                          </a:solidFill>
+                        </a:rPr>
+                        <a:t>50</a:t>
+                      </a:r>
+                      <a:endParaRPr lang="ko-KR" altLang="en-US" dirty="0">
+                        <a:solidFill>
+                          <a:sysClr val="windowText" lastClr="000000"/>
+                        </a:solidFill>
+                      </a:endParaRPr>
+                    </a:p>
+                  </a:txBody>
+                  <a:tcPr anchor="ctr">
+                    <a:lnL w="12700" cap="flat" cmpd="sng" algn="ctr">
+                      <a:solidFill>
+                        <a:schemeClr val="tx1"/>
+                      </a:solidFill>
+                      <a:prstDash val="solid"/>
+                      <a:round/>
+                      <a:headEnd type="none" w="med" len="med"/>
+                      <a:tailEnd type="none" w="med" len="med"/>
+                    </a:lnL>
+                    <a:lnR w="12700" cap="flat" cmpd="sng" algn="ctr">
+                      <a:solidFill>
+                        <a:schemeClr val="tx1"/>
+                      </a:solidFill>
+                      <a:prstDash val="solid"/>
+                      <a:round/>
+                      <a:headEnd type="none" w="med" len="med"/>
+                      <a:tailEnd type="none" w="med" len="med"/>
+                    </a:lnR>
+                    <a:lnT w="12700" cap="flat" cmpd="sng" algn="ctr">
+                      <a:solidFill>
+                        <a:schemeClr val="tx1"/>
+                      </a:solidFill>
+                      <a:prstDash val="solid"/>
+                      <a:round/>
+                      <a:headEnd type="none" w="med" len="med"/>
+                      <a:tailEnd type="none" w="med" len="med"/>
+                    </a:lnT>
+                    <a:lnB w="12700" cap="flat" cmpd="sng" algn="ctr">
+                      <a:solidFill>
+                        <a:schemeClr val="tx1"/>
+                      </a:solidFill>
+                      <a:prstDash val="solid"/>
+                      <a:round/>
+                      <a:headEnd type="none" w="med" len="med"/>
+                      <a:tailEnd type="none" w="med" len="med"/>
+                    </a:lnB>
+                    <a:noFill/>
+                  </a:tcPr>
+                </a:tc>
+                <a:extLst>
+                  <a:ext uri="{0D108BD9-81ED-4DB2-BD59-A6C34878D82A}">
+                    <a16:rowId xmlns:a16="http://schemas.microsoft.com/office/drawing/2014/main" val="409777209"/>
+                  </a:ext>
+                </a:extLst>
+              </a:tr>
+              <a:tr h="639580">
+                <a:tc>
+                  <a:txBody>
+                    <a:bodyPr/>
+                    <a:lstStyle/>
+                    <a:p>
+                      <a:pPr algn="ctr" latinLnBrk="1"/>
+                      <a:r>
+                        <a:rPr lang="en-US" altLang="ko-KR" dirty="0">
+                          <a:solidFill>
+                            <a:sysClr val="windowText" lastClr="000000"/>
+                          </a:solidFill>
+                        </a:rPr>
+                        <a:t>2</a:t>
+                      </a:r>
+                      <a:endParaRPr lang="ko-KR" altLang="en-US" dirty="0">
+                        <a:solidFill>
+                          <a:sysClr val="windowText" lastClr="000000"/>
+                        </a:solidFill>
+                      </a:endParaRPr>
+                    </a:p>
+                  </a:txBody>
+                  <a:tcPr anchor="ctr">
+                    <a:lnL w="12700" cap="flat" cmpd="sng" algn="ctr">
+                      <a:solidFill>
+                        <a:schemeClr val="tx1"/>
+                      </a:solidFill>
+                      <a:prstDash val="solid"/>
+                      <a:round/>
+                      <a:headEnd type="none" w="med" len="med"/>
+                      <a:tailEnd type="none" w="med" len="med"/>
+                    </a:lnL>
+                    <a:lnR w="12700" cap="flat" cmpd="sng" algn="ctr">
+                      <a:solidFill>
+                        <a:schemeClr val="tx1"/>
+                      </a:solidFill>
+                      <a:prstDash val="solid"/>
+                      <a:round/>
+                      <a:headEnd type="none" w="med" len="med"/>
+                      <a:tailEnd type="none" w="med" len="med"/>
+                    </a:lnR>
+                    <a:lnT w="12700" cap="flat" cmpd="sng" algn="ctr">
+                      <a:solidFill>
+                        <a:schemeClr val="tx1"/>
+                      </a:solidFill>
+                      <a:prstDash val="solid"/>
+                      <a:round/>
+                      <a:headEnd type="none" w="med" len="med"/>
+                      <a:tailEnd type="none" w="med" len="med"/>
+                    </a:lnT>
+                    <a:lnB w="12700" cap="flat" cmpd="sng" algn="ctr">
+                      <a:solidFill>
+                        <a:schemeClr val="tx1"/>
+                      </a:solidFill>
+                      <a:prstDash val="solid"/>
+                      <a:round/>
+                      <a:headEnd type="none" w="med" len="med"/>
+                      <a:tailEnd type="none" w="med" len="med"/>
+                    </a:lnB>
+                    <a:noFill/>
+                  </a:tcPr>
+                </a:tc>
+                <a:tc>
+                  <a:txBody>
+                    <a:bodyPr/>
+                    <a:lstStyle/>
+                    <a:p>
+                      <a:pPr algn="ctr" latinLnBrk="1"/>
+                      <a:r>
+                        <a:rPr lang="en-US" altLang="ko-KR" dirty="0">
+                          <a:solidFill>
+                            <a:sysClr val="windowText" lastClr="000000"/>
+                          </a:solidFill>
+                        </a:rPr>
+                        <a:t>15</a:t>
+                      </a:r>
+                      <a:endParaRPr lang="ko-KR" altLang="en-US" dirty="0">
+                        <a:solidFill>
+                          <a:sysClr val="windowText" lastClr="000000"/>
+                        </a:solidFill>
+                      </a:endParaRPr>
+                    </a:p>
+                  </a:txBody>
+                  <a:tcPr anchor="ctr">
+                    <a:lnL w="12700" cap="flat" cmpd="sng" algn="ctr">
+                      <a:solidFill>
+                        <a:schemeClr val="tx1"/>
+                      </a:solidFill>
+                      <a:prstDash val="solid"/>
+                      <a:round/>
+                      <a:headEnd type="none" w="med" len="med"/>
+                      <a:tailEnd type="none" w="med" len="med"/>
+                    </a:lnL>
+                    <a:lnR w="12700" cap="flat" cmpd="sng" algn="ctr">
+                      <a:solidFill>
+                        <a:schemeClr val="tx1"/>
+                      </a:solidFill>
+                      <a:prstDash val="solid"/>
+                      <a:round/>
+                      <a:headEnd type="none" w="med" len="med"/>
+                      <a:tailEnd type="none" w="med" len="med"/>
+                    </a:lnR>
+                    <a:lnT w="12700" cap="flat" cmpd="sng" algn="ctr">
+                      <a:solidFill>
+                        <a:schemeClr val="tx1"/>
+                      </a:solidFill>
+                      <a:prstDash val="solid"/>
+                      <a:round/>
+                      <a:headEnd type="none" w="med" len="med"/>
+                      <a:tailEnd type="none" w="med" len="med"/>
+                    </a:lnT>
+                    <a:lnB w="12700" cap="flat" cmpd="sng" algn="ctr">
+                      <a:solidFill>
+                        <a:schemeClr val="tx1"/>
+                      </a:solidFill>
+                      <a:prstDash val="solid"/>
+                      <a:round/>
+                      <a:headEnd type="none" w="med" len="med"/>
+                      <a:tailEnd type="none" w="med" len="med"/>
+                    </a:lnB>
+                    <a:noFill/>
+                  </a:tcPr>
+                </a:tc>
+                <a:tc>
+                  <a:txBody>
+                    <a:bodyPr/>
+                    <a:lstStyle/>
+                    <a:p>
+                      <a:pPr algn="ctr" latinLnBrk="1"/>
+                      <a:r>
+                        <a:rPr lang="en-US" altLang="ko-KR" dirty="0">
+                          <a:solidFill>
+                            <a:sysClr val="windowText" lastClr="000000"/>
+                          </a:solidFill>
+                        </a:rPr>
+                        <a:t>30</a:t>
+                      </a:r>
+                      <a:endParaRPr lang="ko-KR" altLang="en-US" dirty="0">
+                        <a:solidFill>
+                          <a:sysClr val="windowText" lastClr="000000"/>
+                        </a:solidFill>
+                      </a:endParaRPr>
+                    </a:p>
+                  </a:txBody>
+                  <a:tcPr anchor="ctr">
+                    <a:lnL w="12700" cap="flat" cmpd="sng" algn="ctr">
+                      <a:solidFill>
+                        <a:schemeClr val="tx1"/>
+                      </a:solidFill>
+                      <a:prstDash val="solid"/>
+                      <a:round/>
+                      <a:headEnd type="none" w="med" len="med"/>
+                      <a:tailEnd type="none" w="med" len="med"/>
+                    </a:lnL>
+                    <a:lnR w="12700" cap="flat" cmpd="sng" algn="ctr">
+                      <a:solidFill>
+                        <a:schemeClr val="tx1"/>
+                      </a:solidFill>
+                      <a:prstDash val="solid"/>
+                      <a:round/>
+                      <a:headEnd type="none" w="med" len="med"/>
+                      <a:tailEnd type="none" w="med" len="med"/>
+                    </a:lnR>
+                    <a:lnT w="12700" cap="flat" cmpd="sng" algn="ctr">
+                      <a:solidFill>
+                        <a:schemeClr val="tx1"/>
+                      </a:solidFill>
+                      <a:prstDash val="solid"/>
+                      <a:round/>
+                      <a:headEnd type="none" w="med" len="med"/>
+                      <a:tailEnd type="none" w="med" len="med"/>
+                    </a:lnT>
+                    <a:lnB w="12700" cap="flat" cmpd="sng" algn="ctr">
+                      <a:solidFill>
+                        <a:schemeClr val="tx1"/>
+                      </a:solidFill>
+                      <a:prstDash val="solid"/>
+                      <a:round/>
+                      <a:headEnd type="none" w="med" len="med"/>
+                      <a:tailEnd type="none" w="med" len="med"/>
+                    </a:lnB>
+                    <a:noFill/>
+                  </a:tcPr>
+                </a:tc>
+                <a:extLst>
+                  <a:ext uri="{0D108BD9-81ED-4DB2-BD59-A6C34878D82A}">
+                    <a16:rowId xmlns:a16="http://schemas.microsoft.com/office/drawing/2014/main" val="486876644"/>
+                  </a:ext>
+                </a:extLst>
+              </a:tr>
+              <a:tr h="639580">
+                <a:tc>
+                  <a:txBody>
+                    <a:bodyPr/>
+                    <a:lstStyle/>
+                    <a:p>
+                      <a:pPr algn="ctr" latinLnBrk="1"/>
+                      <a:r>
+                        <a:rPr lang="en-US" altLang="ko-KR" dirty="0">
+                          <a:solidFill>
+                            <a:sysClr val="windowText" lastClr="000000"/>
+                          </a:solidFill>
+                        </a:rPr>
+                        <a:t>3</a:t>
+                      </a:r>
+                      <a:endParaRPr lang="ko-KR" altLang="en-US" dirty="0">
+                        <a:solidFill>
+                          <a:sysClr val="windowText" lastClr="000000"/>
+                        </a:solidFill>
+                      </a:endParaRPr>
+                    </a:p>
+                  </a:txBody>
+                  <a:tcPr anchor="ctr">
+                    <a:lnL w="12700" cap="flat" cmpd="sng" algn="ctr">
+                      <a:solidFill>
+                        <a:schemeClr val="tx1"/>
+                      </a:solidFill>
+                      <a:prstDash val="solid"/>
+                      <a:round/>
+                      <a:headEnd type="none" w="med" len="med"/>
+                      <a:tailEnd type="none" w="med" len="med"/>
+                    </a:lnL>
+                    <a:lnR w="12700" cap="flat" cmpd="sng" algn="ctr">
+                      <a:solidFill>
+                        <a:schemeClr val="tx1"/>
+                      </a:solidFill>
+                      <a:prstDash val="solid"/>
+                      <a:round/>
+                      <a:headEnd type="none" w="med" len="med"/>
+                      <a:tailEnd type="none" w="med" len="med"/>
+                    </a:lnR>
+                    <a:lnT w="12700" cap="flat" cmpd="sng" algn="ctr">
+                      <a:solidFill>
+                        <a:schemeClr val="tx1"/>
+                      </a:solidFill>
+                      <a:prstDash val="solid"/>
+                      <a:round/>
+                      <a:headEnd type="none" w="med" len="med"/>
+                      <a:tailEnd type="none" w="med" len="med"/>
+                    </a:lnT>
+                    <a:lnB w="12700" cap="flat" cmpd="sng" algn="ctr">
+                      <a:solidFill>
+                        <a:schemeClr val="tx1"/>
+                      </a:solidFill>
+                      <a:prstDash val="solid"/>
+                      <a:round/>
+                      <a:headEnd type="none" w="med" len="med"/>
+                      <a:tailEnd type="none" w="med" len="med"/>
+                    </a:lnB>
+                    <a:noFill/>
+                  </a:tcPr>
+                </a:tc>
+                <a:tc>
+                  <a:txBody>
+                    <a:bodyPr/>
+                    <a:lstStyle/>
+                    <a:p>
+                      <a:pPr algn="ctr" latinLnBrk="1"/>
+                      <a:r>
+                        <a:rPr lang="en-US" altLang="ko-KR" dirty="0">
+                          <a:solidFill>
+                            <a:sysClr val="windowText" lastClr="000000"/>
+                          </a:solidFill>
+                        </a:rPr>
+                        <a:t>6</a:t>
+                      </a:r>
+                      <a:endParaRPr lang="ko-KR" altLang="en-US" dirty="0">
+                        <a:solidFill>
+                          <a:sysClr val="windowText" lastClr="000000"/>
+                        </a:solidFill>
+                      </a:endParaRPr>
+                    </a:p>
+                  </a:txBody>
+                  <a:tcPr anchor="ctr">
+                    <a:lnL w="12700" cap="flat" cmpd="sng" algn="ctr">
+                      <a:solidFill>
+                        <a:schemeClr val="tx1"/>
+                      </a:solidFill>
+                      <a:prstDash val="solid"/>
+                      <a:round/>
+                      <a:headEnd type="none" w="med" len="med"/>
+                      <a:tailEnd type="none" w="med" len="med"/>
+                    </a:lnL>
+                    <a:lnR w="12700" cap="flat" cmpd="sng" algn="ctr">
+                      <a:solidFill>
+                        <a:schemeClr val="tx1"/>
+                      </a:solidFill>
+                      <a:prstDash val="solid"/>
+                      <a:round/>
+                      <a:headEnd type="none" w="med" len="med"/>
+                      <a:tailEnd type="none" w="med" len="med"/>
+                    </a:lnR>
+                    <a:lnT w="12700" cap="flat" cmpd="sng" algn="ctr">
+                      <a:solidFill>
+                        <a:schemeClr val="tx1"/>
+                      </a:solidFill>
+                      <a:prstDash val="solid"/>
+                      <a:round/>
+                      <a:headEnd type="none" w="med" len="med"/>
+                      <a:tailEnd type="none" w="med" len="med"/>
+                    </a:lnT>
+                    <a:lnB w="12700" cap="flat" cmpd="sng" algn="ctr">
+                      <a:solidFill>
+                        <a:schemeClr val="tx1"/>
+                      </a:solidFill>
+                      <a:prstDash val="solid"/>
+                      <a:round/>
+                      <a:headEnd type="none" w="med" len="med"/>
+                      <a:tailEnd type="none" w="med" len="med"/>
+                    </a:lnB>
+                    <a:noFill/>
+                  </a:tcPr>
+                </a:tc>
+                <a:tc>
+                  <a:txBody>
+                    <a:bodyPr/>
+                    <a:lstStyle/>
+                    <a:p>
+                      <a:pPr algn="ctr" latinLnBrk="1"/>
+                      <a:r>
+                        <a:rPr lang="en-US" altLang="ko-KR" dirty="0">
+                          <a:solidFill>
+                            <a:sysClr val="windowText" lastClr="000000"/>
+                          </a:solidFill>
+                        </a:rPr>
+                        <a:t>90</a:t>
+                      </a:r>
+                      <a:endParaRPr lang="ko-KR" altLang="en-US" dirty="0">
+                        <a:solidFill>
+                          <a:sysClr val="windowText" lastClr="000000"/>
+                        </a:solidFill>
+                      </a:endParaRPr>
+                    </a:p>
+                  </a:txBody>
+                  <a:tcPr anchor="ctr">
+                    <a:lnL w="12700" cap="flat" cmpd="sng" algn="ctr">
+                      <a:solidFill>
+                        <a:schemeClr val="tx1"/>
+                      </a:solidFill>
+                      <a:prstDash val="solid"/>
+                      <a:round/>
+                      <a:headEnd type="none" w="med" len="med"/>
+                      <a:tailEnd type="none" w="med" len="med"/>
+                    </a:lnL>
+                    <a:lnR w="12700" cap="flat" cmpd="sng" algn="ctr">
+                      <a:solidFill>
+                        <a:schemeClr val="tx1"/>
+                      </a:solidFill>
+                      <a:prstDash val="solid"/>
+                      <a:round/>
+                      <a:headEnd type="none" w="med" len="med"/>
+                      <a:tailEnd type="none" w="med" len="med"/>
+                    </a:lnR>
+                    <a:lnT w="12700" cap="flat" cmpd="sng" algn="ctr">
+                      <a:solidFill>
+                        <a:schemeClr val="tx1"/>
+                      </a:solidFill>
+                      <a:prstDash val="solid"/>
+                      <a:round/>
+                      <a:headEnd type="none" w="med" len="med"/>
+                      <a:tailEnd type="none" w="med" len="med"/>
+                    </a:lnT>
+                    <a:lnB w="12700" cap="flat" cmpd="sng" algn="ctr">
+                      <a:solidFill>
+                        <a:schemeClr val="tx1"/>
+                      </a:solidFill>
+                      <a:prstDash val="solid"/>
+                      <a:round/>
+                      <a:headEnd type="none" w="med" len="med"/>
+                      <a:tailEnd type="none" w="med" len="med"/>
+                    </a:lnB>
+                    <a:noFill/>
+                  </a:tcPr>
+                </a:tc>
+                <a:extLst>
+                  <a:ext uri="{0D108BD9-81ED-4DB2-BD59-A6C34878D82A}">
+                    <a16:rowId xmlns:a16="http://schemas.microsoft.com/office/drawing/2014/main" val="2351953491"/>
+                  </a:ext>
+                </a:extLst>
+              </a:tr>
+              <a:tr h="639580">
+                <a:tc>
+                  <a:txBody>
+                    <a:bodyPr/>
+                    <a:lstStyle/>
+                    <a:p>
+                      <a:pPr algn="ctr" latinLnBrk="1"/>
+                      <a:r>
+                        <a:rPr lang="en-US" altLang="ko-KR" dirty="0">
+                          <a:solidFill>
+                            <a:sysClr val="windowText" lastClr="000000"/>
+                          </a:solidFill>
+                        </a:rPr>
+                        <a:t>…</a:t>
+                      </a:r>
+                      <a:endParaRPr lang="ko-KR" altLang="en-US" dirty="0">
+                        <a:solidFill>
+                          <a:sysClr val="windowText" lastClr="000000"/>
+                        </a:solidFill>
+                      </a:endParaRPr>
+                    </a:p>
+                  </a:txBody>
+                  <a:tcPr anchor="ctr">
+                    <a:lnL w="12700" cap="flat" cmpd="sng" algn="ctr">
+                      <a:solidFill>
+                        <a:schemeClr val="tx1"/>
+                      </a:solidFill>
+                      <a:prstDash val="solid"/>
+                      <a:round/>
+                      <a:headEnd type="none" w="med" len="med"/>
+                      <a:tailEnd type="none" w="med" len="med"/>
+                    </a:lnL>
+                    <a:lnR w="12700" cap="flat" cmpd="sng" algn="ctr">
+                      <a:solidFill>
+                        <a:schemeClr val="tx1"/>
+                      </a:solidFill>
+                      <a:prstDash val="solid"/>
+                      <a:round/>
+                      <a:headEnd type="none" w="med" len="med"/>
+                      <a:tailEnd type="none" w="med" len="med"/>
+                    </a:lnR>
+                    <a:lnT w="12700" cap="flat" cmpd="sng" algn="ctr">
+                      <a:solidFill>
+                        <a:schemeClr val="tx1"/>
+                      </a:solidFill>
+                      <a:prstDash val="solid"/>
+                      <a:round/>
+                      <a:headEnd type="none" w="med" len="med"/>
+                      <a:tailEnd type="none" w="med" len="med"/>
+                    </a:lnT>
+                    <a:lnB w="12700" cap="flat" cmpd="sng" algn="ctr">
+                      <a:solidFill>
+                        <a:schemeClr val="tx1"/>
+                      </a:solidFill>
+                      <a:prstDash val="solid"/>
+                      <a:round/>
+                      <a:headEnd type="none" w="med" len="med"/>
+                      <a:tailEnd type="none" w="med" len="med"/>
+                    </a:lnB>
+                    <a:noFill/>
+                  </a:tcPr>
+                </a:tc>
+                <a:tc>
+                  <a:txBody>
+                    <a:bodyPr/>
+                    <a:lstStyle/>
+                    <a:p>
+                      <a:pPr algn="ctr" latinLnBrk="1"/>
+                      <a:endParaRPr lang="ko-KR" altLang="en-US" dirty="0">
+                        <a:solidFill>
+                          <a:sysClr val="windowText" lastClr="000000"/>
+                        </a:solidFill>
+                      </a:endParaRPr>
+                    </a:p>
+                  </a:txBody>
+                  <a:tcPr anchor="ctr">
+                    <a:lnL w="12700" cap="flat" cmpd="sng" algn="ctr">
+                      <a:solidFill>
+                        <a:schemeClr val="tx1"/>
+                      </a:solidFill>
+                      <a:prstDash val="solid"/>
+                      <a:round/>
+                      <a:headEnd type="none" w="med" len="med"/>
+                      <a:tailEnd type="none" w="med" len="med"/>
+                    </a:lnL>
+                    <a:lnR w="12700" cap="flat" cmpd="sng" algn="ctr">
+                      <a:solidFill>
+                        <a:schemeClr val="tx1"/>
+                      </a:solidFill>
+                      <a:prstDash val="solid"/>
+                      <a:round/>
+                      <a:headEnd type="none" w="med" len="med"/>
+                      <a:tailEnd type="none" w="med" len="med"/>
+                    </a:lnR>
+                    <a:lnT w="12700" cap="flat" cmpd="sng" algn="ctr">
+                      <a:solidFill>
+                        <a:schemeClr val="tx1"/>
+                      </a:solidFill>
+                      <a:prstDash val="solid"/>
+                      <a:round/>
+                      <a:headEnd type="none" w="med" len="med"/>
+                      <a:tailEnd type="none" w="med" len="med"/>
+                    </a:lnT>
+                    <a:lnB w="12700" cap="flat" cmpd="sng" algn="ctr">
+                      <a:solidFill>
+                        <a:schemeClr val="tx1"/>
+                      </a:solidFill>
+                      <a:prstDash val="solid"/>
+                      <a:round/>
+                      <a:headEnd type="none" w="med" len="med"/>
+                      <a:tailEnd type="none" w="med" len="med"/>
+                    </a:lnB>
+                    <a:noFill/>
+                  </a:tcPr>
+                </a:tc>
+                <a:tc>
+                  <a:txBody>
+                    <a:bodyPr/>
+                    <a:lstStyle/>
+                    <a:p>
+                      <a:pPr algn="ctr" latinLnBrk="1"/>
+                      <a:endParaRPr lang="ko-KR" altLang="en-US" dirty="0">
+                        <a:solidFill>
+                          <a:sysClr val="windowText" lastClr="000000"/>
+                        </a:solidFill>
+                      </a:endParaRPr>
+                    </a:p>
+                  </a:txBody>
+                  <a:tcPr anchor="ctr">
+                    <a:lnL w="12700" cap="flat" cmpd="sng" algn="ctr">
+                      <a:solidFill>
+                        <a:schemeClr val="tx1"/>
+                      </a:solidFill>
+                      <a:prstDash val="solid"/>
+                      <a:round/>
+                      <a:headEnd type="none" w="med" len="med"/>
+                      <a:tailEnd type="none" w="med" len="med"/>
+                    </a:lnL>
+                    <a:lnR w="12700" cap="flat" cmpd="sng" algn="ctr">
+                      <a:solidFill>
+                        <a:schemeClr val="tx1"/>
+                      </a:solidFill>
+                      <a:prstDash val="solid"/>
+                      <a:round/>
+                      <a:headEnd type="none" w="med" len="med"/>
+                      <a:tailEnd type="none" w="med" len="med"/>
+                    </a:lnR>
+                    <a:lnT w="12700" cap="flat" cmpd="sng" algn="ctr">
+                      <a:solidFill>
+                        <a:schemeClr val="tx1"/>
+                      </a:solidFill>
+                      <a:prstDash val="solid"/>
+                      <a:round/>
+                      <a:headEnd type="none" w="med" len="med"/>
+                      <a:tailEnd type="none" w="med" len="med"/>
+                    </a:lnT>
+                    <a:lnB w="12700" cap="flat" cmpd="sng" algn="ctr">
+                      <a:solidFill>
+                        <a:schemeClr val="tx1"/>
+                      </a:solidFill>
+                      <a:prstDash val="solid"/>
+                      <a:round/>
+                      <a:headEnd type="none" w="med" len="med"/>
+                      <a:tailEnd type="none" w="med" len="med"/>
+                    </a:lnB>
+                    <a:noFill/>
+                  </a:tcPr>
+                </a:tc>
+                <a:extLst>
+                  <a:ext uri="{0D108BD9-81ED-4DB2-BD59-A6C34878D82A}">
+                    <a16:rowId xmlns:a16="http://schemas.microsoft.com/office/drawing/2014/main" val="3767902262"/>
+                  </a:ext>
+                </a:extLst>
+              </a:tr>
+              <a:tr h="639580">
+                <a:tc>
+                  <a:txBody>
+                    <a:bodyPr/>
+                    <a:lstStyle/>
+                    <a:p>
+                      <a:pPr algn="ctr" latinLnBrk="1"/>
+                      <a:r>
+                        <a:rPr lang="en-US" altLang="ko-KR" dirty="0">
+                          <a:solidFill>
+                            <a:sysClr val="windowText" lastClr="000000"/>
+                          </a:solidFill>
+                        </a:rPr>
+                        <a:t>10</a:t>
+                      </a:r>
+                      <a:endParaRPr lang="ko-KR" altLang="en-US" dirty="0">
+                        <a:solidFill>
+                          <a:sysClr val="windowText" lastClr="000000"/>
+                        </a:solidFill>
+                      </a:endParaRPr>
+                    </a:p>
+                  </a:txBody>
+                  <a:tcPr anchor="ctr">
+                    <a:lnL w="12700" cap="flat" cmpd="sng" algn="ctr">
+                      <a:solidFill>
+                        <a:schemeClr val="tx1"/>
+                      </a:solidFill>
+                      <a:prstDash val="solid"/>
+                      <a:round/>
+                      <a:headEnd type="none" w="med" len="med"/>
+                      <a:tailEnd type="none" w="med" len="med"/>
+                    </a:lnL>
+                    <a:lnR w="12700" cap="flat" cmpd="sng" algn="ctr">
+                      <a:solidFill>
+                        <a:schemeClr val="tx1"/>
+                      </a:solidFill>
+                      <a:prstDash val="solid"/>
+                      <a:round/>
+                      <a:headEnd type="none" w="med" len="med"/>
+                      <a:tailEnd type="none" w="med" len="med"/>
+                    </a:lnR>
+                    <a:lnT w="12700" cap="flat" cmpd="sng" algn="ctr">
+                      <a:solidFill>
+                        <a:schemeClr val="tx1"/>
+                      </a:solidFill>
+                      <a:prstDash val="solid"/>
+                      <a:round/>
+                      <a:headEnd type="none" w="med" len="med"/>
+                      <a:tailEnd type="none" w="med" len="med"/>
+                    </a:lnT>
+                    <a:lnB w="12700" cap="flat" cmpd="sng" algn="ctr">
+                      <a:solidFill>
+                        <a:schemeClr val="tx1"/>
+                      </a:solidFill>
+                      <a:prstDash val="solid"/>
+                      <a:round/>
+                      <a:headEnd type="none" w="med" len="med"/>
+                      <a:tailEnd type="none" w="med" len="med"/>
+                    </a:lnB>
+                    <a:noFill/>
+                  </a:tcPr>
+                </a:tc>
+                <a:tc>
+                  <a:txBody>
+                    <a:bodyPr/>
+                    <a:lstStyle/>
+                    <a:p>
+                      <a:pPr algn="ctr" latinLnBrk="1"/>
+                      <a:r>
+                        <a:rPr lang="en-US" altLang="ko-KR" dirty="0">
+                          <a:solidFill>
+                            <a:sysClr val="windowText" lastClr="000000"/>
+                          </a:solidFill>
+                        </a:rPr>
+                        <a:t>3</a:t>
+                      </a:r>
+                      <a:endParaRPr lang="ko-KR" altLang="en-US" dirty="0">
+                        <a:solidFill>
+                          <a:sysClr val="windowText" lastClr="000000"/>
+                        </a:solidFill>
+                      </a:endParaRPr>
+                    </a:p>
+                  </a:txBody>
+                  <a:tcPr anchor="ctr">
+                    <a:lnL w="12700" cap="flat" cmpd="sng" algn="ctr">
+                      <a:solidFill>
+                        <a:schemeClr val="tx1"/>
+                      </a:solidFill>
+                      <a:prstDash val="solid"/>
+                      <a:round/>
+                      <a:headEnd type="none" w="med" len="med"/>
+                      <a:tailEnd type="none" w="med" len="med"/>
+                    </a:lnL>
+                    <a:lnR w="12700" cap="flat" cmpd="sng" algn="ctr">
+                      <a:solidFill>
+                        <a:schemeClr val="tx1"/>
+                      </a:solidFill>
+                      <a:prstDash val="solid"/>
+                      <a:round/>
+                      <a:headEnd type="none" w="med" len="med"/>
+                      <a:tailEnd type="none" w="med" len="med"/>
+                    </a:lnR>
+                    <a:lnT w="12700" cap="flat" cmpd="sng" algn="ctr">
+                      <a:solidFill>
+                        <a:schemeClr val="tx1"/>
+                      </a:solidFill>
+                      <a:prstDash val="solid"/>
+                      <a:round/>
+                      <a:headEnd type="none" w="med" len="med"/>
+                      <a:tailEnd type="none" w="med" len="med"/>
+                    </a:lnT>
+                    <a:lnB w="12700" cap="flat" cmpd="sng" algn="ctr">
+                      <a:solidFill>
+                        <a:schemeClr val="tx1"/>
+                      </a:solidFill>
+                      <a:prstDash val="solid"/>
+                      <a:round/>
+                      <a:headEnd type="none" w="med" len="med"/>
+                      <a:tailEnd type="none" w="med" len="med"/>
+                    </a:lnB>
+                    <a:noFill/>
+                  </a:tcPr>
+                </a:tc>
+                <a:tc>
+                  <a:txBody>
+                    <a:bodyPr/>
+                    <a:lstStyle/>
+                    <a:p>
+                      <a:pPr algn="ctr" latinLnBrk="1"/>
+                      <a:r>
+                        <a:rPr lang="en-US" altLang="ko-KR" dirty="0">
+                          <a:solidFill>
+                            <a:sysClr val="windowText" lastClr="000000"/>
+                          </a:solidFill>
+                        </a:rPr>
+                        <a:t>60</a:t>
+                      </a:r>
+                      <a:endParaRPr lang="ko-KR" altLang="en-US" dirty="0">
+                        <a:solidFill>
+                          <a:sysClr val="windowText" lastClr="000000"/>
+                        </a:solidFill>
+                      </a:endParaRPr>
+                    </a:p>
+                  </a:txBody>
+                  <a:tcPr anchor="ctr">
+                    <a:lnL w="12700" cap="flat" cmpd="sng" algn="ctr">
+                      <a:solidFill>
+                        <a:schemeClr val="tx1"/>
+                      </a:solidFill>
+                      <a:prstDash val="solid"/>
+                      <a:round/>
+                      <a:headEnd type="none" w="med" len="med"/>
+                      <a:tailEnd type="none" w="med" len="med"/>
+                    </a:lnL>
+                    <a:lnR w="12700" cap="flat" cmpd="sng" algn="ctr">
+                      <a:solidFill>
+                        <a:schemeClr val="tx1"/>
+                      </a:solidFill>
+                      <a:prstDash val="solid"/>
+                      <a:round/>
+                      <a:headEnd type="none" w="med" len="med"/>
+                      <a:tailEnd type="none" w="med" len="med"/>
+                    </a:lnR>
+                    <a:lnT w="12700" cap="flat" cmpd="sng" algn="ctr">
+                      <a:solidFill>
+                        <a:schemeClr val="tx1"/>
+                      </a:solidFill>
+                      <a:prstDash val="solid"/>
+                      <a:round/>
+                      <a:headEnd type="none" w="med" len="med"/>
+                      <a:tailEnd type="none" w="med" len="med"/>
+                    </a:lnT>
+                    <a:lnB w="12700" cap="flat" cmpd="sng" algn="ctr">
+                      <a:solidFill>
+                        <a:schemeClr val="tx1"/>
+                      </a:solidFill>
+                      <a:prstDash val="solid"/>
+                      <a:round/>
+                      <a:headEnd type="none" w="med" len="med"/>
+                      <a:tailEnd type="none" w="med" len="med"/>
+                    </a:lnB>
+                    <a:noFill/>
+                  </a:tcPr>
+                </a:tc>
+                <a:extLst>
+                  <a:ext uri="{0D108BD9-81ED-4DB2-BD59-A6C34878D82A}">
+                    <a16:rowId xmlns:a16="http://schemas.microsoft.com/office/drawing/2014/main" val="779399261"/>
+                  </a:ext>
+                </a:extLst>
+              </a:tr>
+            </a:tbl>
+          </a:graphicData>
+        </a:graphic>
+      </p:graphicFrame>
+      <p:graphicFrame>
+        <p:nvGraphicFramePr>
+          <p:cNvPr id="5" name="차트 4">
+            <a:extLst>
+              <a:ext uri="{FF2B5EF4-FFF2-40B4-BE49-F238E27FC236}">
+                <a16:creationId xmlns:a16="http://schemas.microsoft.com/office/drawing/2014/main" id="{1B95F79F-EED8-D340-9FCE-D3DE231B9FD2}"/>
+              </a:ext>
+            </a:extLst>
+          </p:cNvPr>
+          <p:cNvGraphicFramePr/>
+          <p:nvPr>
+            <p:extLst>
+              <p:ext uri="{D42A27DB-BD31-4B8C-83A1-F6EECF244321}">
+                <p14:modId xmlns:p14="http://schemas.microsoft.com/office/powerpoint/2010/main" val="1213817980"/>
+              </p:ext>
+            </p:extLst>
+          </p:nvPr>
+        </p:nvGraphicFramePr>
+        <p:xfrm>
+          <a:off x="5216577" y="899410"/>
+          <a:ext cx="5617980" cy="4969100"/>
+        </p:xfrm>
+        <a:graphic>
+          <a:graphicData uri="http://schemas.openxmlformats.org/drawingml/2006/chart">
+            <c:chart xmlns:c="http://schemas.openxmlformats.org/drawingml/2006/chart" xmlns:r="http://schemas.openxmlformats.org/officeDocument/2006/relationships" r:id="rId2"/>
+          </a:graphicData>
+        </a:graphic>
+      </p:graphicFrame>
+      <p:cxnSp>
+        <p:nvCxnSpPr>
+          <p:cNvPr id="7" name="직선 연결선[R] 6">
+            <a:extLst>
+              <a:ext uri="{FF2B5EF4-FFF2-40B4-BE49-F238E27FC236}">
+                <a16:creationId xmlns:a16="http://schemas.microsoft.com/office/drawing/2014/main" id="{591ED3B6-34E6-C544-B144-A37B9EAA03BD}"/>
+              </a:ext>
+            </a:extLst>
+          </p:cNvPr>
+          <p:cNvCxnSpPr/>
+          <p:nvPr/>
+        </p:nvCxnSpPr>
+        <p:spPr>
+          <a:xfrm>
+            <a:off x="5801193" y="1169233"/>
+            <a:ext cx="4542020" cy="3837480"/>
+          </a:xfrm>
+          <a:prstGeom prst="line">
+            <a:avLst/>
+          </a:prstGeom>
+          <a:ln w="38100">
+            <a:solidFill>
+              <a:schemeClr val="tx1">
+                <a:lumMod val="50000"/>
+                <a:lumOff val="50000"/>
+              </a:schemeClr>
+            </a:solidFill>
+          </a:ln>
+        </p:spPr>
+        <p:style>
+          <a:lnRef idx="1">
+            <a:schemeClr val="accent1"/>
+          </a:lnRef>
+          <a:fillRef idx="0">
+            <a:schemeClr val="accent1"/>
+          </a:fillRef>
+          <a:effectRef idx="0">
+            <a:schemeClr val="accent1"/>
+          </a:effectRef>
+          <a:fontRef idx="minor">
+            <a:schemeClr val="tx1"/>
+          </a:fontRef>
+        </p:style>
+      </p:cxnSp>
+      <mc:AlternateContent xmlns:mc="http://schemas.openxmlformats.org/markup-compatibility/2006">
+        <mc:Choice xmlns:a14="http://schemas.microsoft.com/office/drawing/2010/main" Requires="a14">
+          <p:sp>
+            <p:nvSpPr>
+              <p:cNvPr id="8" name="TextBox 7">
+                <a:extLst>
+                  <a:ext uri="{FF2B5EF4-FFF2-40B4-BE49-F238E27FC236}">
+                    <a16:creationId xmlns:a16="http://schemas.microsoft.com/office/drawing/2014/main" id="{031D20DF-0F84-6243-9490-B2B57BAC102F}"/>
+                  </a:ext>
+                </a:extLst>
+              </p:cNvPr>
+              <p:cNvSpPr txBox="1"/>
+              <p:nvPr/>
+            </p:nvSpPr>
+            <p:spPr>
+              <a:xfrm>
+                <a:off x="8454452" y="4637381"/>
+                <a:ext cx="1547668" cy="369332"/>
+              </a:xfrm>
+              <a:prstGeom prst="rect">
+                <a:avLst/>
+              </a:prstGeom>
+              <a:noFill/>
+            </p:spPr>
+            <p:txBody>
+              <a:bodyPr wrap="none" rtlCol="0">
+                <a:spAutoFit/>
+              </a:bodyPr>
+              <a:lstStyle/>
+              <a:p>
+                <a:r>
+                  <a:rPr kumimoji="1" lang="en-US" altLang="ko-KR" b="1" dirty="0"/>
+                  <a:t>y = </a:t>
+                </a:r>
+                <a14:m>
+                  <m:oMath xmlns:m="http://schemas.openxmlformats.org/officeDocument/2006/math">
+                    <m:sSub>
+                      <m:sSubPr>
+                        <m:ctrlPr>
+                          <a:rPr kumimoji="1" lang="en-US" altLang="ko-KR" i="1" smtClean="0">
+                            <a:latin typeface="Cambria Math" panose="02040503050406030204" pitchFamily="18" charset="0"/>
+                          </a:rPr>
+                        </m:ctrlPr>
+                      </m:sSubPr>
+                      <m:e>
+                        <m:r>
+                          <a:rPr kumimoji="1" lang="en-US" altLang="ko-KR" i="1" smtClean="0">
+                            <a:latin typeface="Cambria Math" panose="02040503050406030204" pitchFamily="18" charset="0"/>
+                            <a:ea typeface="Cambria Math" panose="02040503050406030204" pitchFamily="18" charset="0"/>
+                          </a:rPr>
+                          <m:t>𝛽</m:t>
+                        </m:r>
+                      </m:e>
+                      <m:sub>
+                        <m:r>
+                          <a:rPr kumimoji="1" lang="en-US" altLang="ko-KR" b="0" i="1" smtClean="0">
+                            <a:latin typeface="Cambria Math" panose="02040503050406030204" pitchFamily="18" charset="0"/>
+                          </a:rPr>
+                          <m:t>0</m:t>
+                        </m:r>
+                      </m:sub>
+                    </m:sSub>
+                  </m:oMath>
+                </a14:m>
+                <a:r>
+                  <a:rPr kumimoji="1" lang="en-US" altLang="ko-KR" dirty="0"/>
+                  <a:t> + </a:t>
+                </a:r>
+                <a14:m>
+                  <m:oMath xmlns:m="http://schemas.openxmlformats.org/officeDocument/2006/math">
+                    <m:sSub>
+                      <m:sSubPr>
+                        <m:ctrlPr>
+                          <a:rPr kumimoji="1" lang="en-US" altLang="ko-KR" i="1">
+                            <a:latin typeface="Cambria Math" panose="02040503050406030204" pitchFamily="18" charset="0"/>
+                          </a:rPr>
+                        </m:ctrlPr>
+                      </m:sSubPr>
+                      <m:e>
+                        <m:r>
+                          <a:rPr kumimoji="1" lang="en-US" altLang="ko-KR" i="1">
+                            <a:latin typeface="Cambria Math" panose="02040503050406030204" pitchFamily="18" charset="0"/>
+                            <a:ea typeface="Cambria Math" panose="02040503050406030204" pitchFamily="18" charset="0"/>
+                          </a:rPr>
+                          <m:t>𝛽</m:t>
+                        </m:r>
+                      </m:e>
+                      <m:sub>
+                        <m:r>
+                          <a:rPr kumimoji="1" lang="en-US" altLang="ko-KR" b="0" i="1" smtClean="0">
+                            <a:latin typeface="Cambria Math" panose="02040503050406030204" pitchFamily="18" charset="0"/>
+                            <a:ea typeface="Cambria Math" panose="02040503050406030204" pitchFamily="18" charset="0"/>
+                          </a:rPr>
+                          <m:t>1</m:t>
+                        </m:r>
+                      </m:sub>
+                    </m:sSub>
+                  </m:oMath>
+                </a14:m>
+                <a:r>
+                  <a:rPr kumimoji="1" lang="en-US" altLang="ko-KR" b="1" dirty="0"/>
+                  <a:t>x</a:t>
+                </a:r>
+                <a:endParaRPr kumimoji="1" lang="ko-KR" altLang="en-US" b="1" dirty="0"/>
+              </a:p>
+            </p:txBody>
+          </p:sp>
+        </mc:Choice>
+        <mc:Fallback>
+          <p:sp>
+            <p:nvSpPr>
+              <p:cNvPr id="8" name="TextBox 7">
+                <a:extLst>
+                  <a:ext uri="{FF2B5EF4-FFF2-40B4-BE49-F238E27FC236}">
+                    <a16:creationId xmlns:a16="http://schemas.microsoft.com/office/drawing/2014/main" id="{031D20DF-0F84-6243-9490-B2B57BAC102F}"/>
+                  </a:ext>
+                </a:extLst>
+              </p:cNvPr>
+              <p:cNvSpPr txBox="1">
+                <a:spLocks noRot="1" noChangeAspect="1" noMove="1" noResize="1" noEditPoints="1" noAdjustHandles="1" noChangeArrowheads="1" noChangeShapeType="1" noTextEdit="1"/>
+              </p:cNvSpPr>
+              <p:nvPr/>
+            </p:nvSpPr>
+            <p:spPr>
+              <a:xfrm>
+                <a:off x="8454452" y="4637381"/>
+                <a:ext cx="1547668" cy="369332"/>
+              </a:xfrm>
+              <a:prstGeom prst="rect">
+                <a:avLst/>
+              </a:prstGeom>
+              <a:blipFill>
+                <a:blip r:embed="rId3"/>
+                <a:stretch>
+                  <a:fillRect l="-3252" t="-6667" r="-1626" b="-23333"/>
+                </a:stretch>
+              </a:blipFill>
+            </p:spPr>
+            <p:txBody>
+              <a:bodyPr/>
+              <a:lstStyle/>
+              <a:p>
+                <a:r>
+                  <a:rPr lang="ko-KR" altLang="en-US">
+                    <a:noFill/>
+                  </a:rPr>
+                  <a:t> </a:t>
+                </a:r>
+              </a:p>
+            </p:txBody>
+          </p:sp>
+        </mc:Fallback>
+      </mc:AlternateContent>
+    </p:spTree>
+    <p:extLst>
+      <p:ext uri="{BB962C8B-B14F-4D97-AF65-F5344CB8AC3E}">
+        <p14:creationId xmlns:p14="http://schemas.microsoft.com/office/powerpoint/2010/main" val="2969641614"/>
+      </p:ext>
+    </p:extLst>
+  </p:cSld>
+  <p:clrMapOvr>
+    <a:masterClrMapping/>
+  </p:clrMapOvr>
+</p:sld>
+</file>
+
+<file path=ppt/slides/slide5.xml><?xml version="1.0" encoding="utf-8"?>
+<p:sld xmlns:a="http://schemas.openxmlformats.org/drawingml/2006/main" xmlns:r="http://schemas.openxmlformats.org/officeDocument/2006/relationships" xmlns:p="http://schemas.openxmlformats.org/presentationml/2006/main">
+  <p:cSld>
+    <p:spTree>
+      <p:nvGrpSpPr>
+        <p:cNvPr id="1" name=""/>
+        <p:cNvGrpSpPr/>
+        <p:nvPr/>
+      </p:nvGrpSpPr>
+      <p:grpSpPr>
+        <a:xfrm>
+          <a:off x="0" y="0"/>
+          <a:ext cx="0" cy="0"/>
+          <a:chOff x="0" y="0"/>
+          <a:chExt cx="0" cy="0"/>
+        </a:xfrm>
+      </p:grpSpPr>
       <p:sp>
         <p:nvSpPr>
-          <p:cNvPr id="3" name="텍스트 개체 틀 2">
+          <p:cNvPr id="2" name="제목 1">
             <a:extLst>
               <a:ext uri="{FF2B5EF4-FFF2-40B4-BE49-F238E27FC236}">
-                <a16:creationId xmlns:a16="http://schemas.microsoft.com/office/drawing/2014/main" id="{19507411-384F-9041-9159-AC742B76B638}"/>
+                <a16:creationId xmlns:a16="http://schemas.microsoft.com/office/drawing/2014/main" id="{0958CFCC-98E0-CC48-90EF-2802E7BA7A35}"/>
               </a:ext>
             </a:extLst>
           </p:cNvPr>
@@ -1547,7 +4871,7 @@
             <a:spLocks noGrp="1"/>
           </p:cNvSpPr>
           <p:nvPr>
-            <p:ph type="body" sz="quarter" idx="10"/>
+            <p:ph type="title"/>
           </p:nvPr>
         </p:nvSpPr>
         <p:spPr/>
@@ -1555,10 +4879,435 @@
           <a:bodyPr/>
           <a:lstStyle/>
           <a:p>
-            <a:endParaRPr kumimoji="1" lang="ko-KR" altLang="en-US"/>
+            <a:r>
+              <a:rPr kumimoji="1" lang="ko-KR" altLang="en-US" dirty="0"/>
+              <a:t>사용 목적</a:t>
+            </a:r>
+            <a:r>
+              <a:rPr kumimoji="1" lang="en-US" altLang="ko-KR" dirty="0"/>
+              <a:t>(2)</a:t>
+            </a:r>
+            <a:endParaRPr kumimoji="1" lang="ko-KR" altLang="en-US" dirty="0"/>
           </a:p>
         </p:txBody>
       </p:sp>
+      <mc:AlternateContent xmlns:mc="http://schemas.openxmlformats.org/markup-compatibility/2006">
+        <mc:Choice xmlns:a14="http://schemas.microsoft.com/office/drawing/2010/main" Requires="a14">
+          <p:sp>
+            <p:nvSpPr>
+              <p:cNvPr id="3" name="텍스트 개체 틀 2">
+                <a:extLst>
+                  <a:ext uri="{FF2B5EF4-FFF2-40B4-BE49-F238E27FC236}">
+                    <a16:creationId xmlns:a16="http://schemas.microsoft.com/office/drawing/2014/main" id="{19507411-384F-9041-9159-AC742B76B638}"/>
+                  </a:ext>
+                </a:extLst>
+              </p:cNvPr>
+              <p:cNvSpPr>
+                <a:spLocks noGrp="1"/>
+              </p:cNvSpPr>
+              <p:nvPr>
+                <p:ph type="body" sz="quarter" idx="10"/>
+              </p:nvPr>
+            </p:nvSpPr>
+            <p:spPr/>
+            <p:txBody>
+              <a:bodyPr/>
+              <a:lstStyle/>
+              <a:p>
+                <a:r>
+                  <a:rPr lang="ko-KR" altLang="en-US" dirty="0"/>
+                  <a:t>다중 선형 회귀 모델</a:t>
+                </a:r>
+                <a:endParaRPr lang="en-US" altLang="ko-KR" dirty="0"/>
+              </a:p>
+              <a:p>
+                <a:pPr lvl="1"/>
+                <a:r>
+                  <a:rPr lang="ko-KR" altLang="en-US" dirty="0"/>
+                  <a:t>여러 개의 요인</a:t>
+                </a:r>
+                <a:r>
+                  <a:rPr lang="en-US" altLang="ko-KR" dirty="0"/>
+                  <a:t>(</a:t>
+                </a:r>
+                <a:r>
+                  <a:rPr lang="ko-KR" altLang="en-US" dirty="0"/>
+                  <a:t>입력 변수</a:t>
+                </a:r>
+                <a:r>
+                  <a:rPr lang="en-US" altLang="ko-KR" dirty="0"/>
+                  <a:t>)</a:t>
+                </a:r>
+                <a:r>
+                  <a:rPr lang="ko-KR" altLang="en-US" dirty="0"/>
+                  <a:t>과 </a:t>
+                </a:r>
+                <a:r>
+                  <a:rPr lang="en-US" altLang="ko-KR" dirty="0"/>
+                  <a:t>1</a:t>
+                </a:r>
+                <a:r>
+                  <a:rPr lang="ko-KR" altLang="en-US" dirty="0"/>
+                  <a:t>개의 결과</a:t>
+                </a:r>
+                <a:r>
+                  <a:rPr lang="en-US" altLang="ko-KR" dirty="0"/>
+                  <a:t>(</a:t>
+                </a:r>
+                <a:r>
+                  <a:rPr lang="ko-KR" altLang="en-US" dirty="0"/>
+                  <a:t>타겟 변수</a:t>
+                </a:r>
+                <a:r>
+                  <a:rPr lang="en-US" altLang="ko-KR" dirty="0"/>
+                  <a:t>)</a:t>
+                </a:r>
+                <a:r>
+                  <a:rPr lang="ko-KR" altLang="en-US" dirty="0"/>
+                  <a:t>의 상관 관계를 분석</a:t>
+                </a:r>
+                <a:endParaRPr lang="en-US" altLang="ko-KR" dirty="0"/>
+              </a:p>
+              <a:p>
+                <a:pPr lvl="1"/>
+                <a:r>
+                  <a:rPr lang="en-US" altLang="ko-KR" dirty="0"/>
+                  <a:t>y = </a:t>
+                </a:r>
+                <a14:m>
+                  <m:oMath xmlns:m="http://schemas.openxmlformats.org/officeDocument/2006/math">
+                    <m:sSub>
+                      <m:sSubPr>
+                        <m:ctrlPr>
+                          <a:rPr lang="en-US" altLang="ko-KR" i="1">
+                            <a:latin typeface="Cambria Math" panose="02040503050406030204" pitchFamily="18" charset="0"/>
+                          </a:rPr>
+                        </m:ctrlPr>
+                      </m:sSubPr>
+                      <m:e>
+                        <m:r>
+                          <a:rPr lang="en-US" altLang="ko-KR" b="0" i="1">
+                            <a:latin typeface="Cambria Math" panose="02040503050406030204" pitchFamily="18" charset="0"/>
+                            <a:ea typeface="Cambria Math" panose="02040503050406030204" pitchFamily="18" charset="0"/>
+                          </a:rPr>
+                          <m:t>𝛽</m:t>
+                        </m:r>
+                      </m:e>
+                      <m:sub>
+                        <m:r>
+                          <a:rPr lang="en-US" altLang="ko-KR" b="0" i="1">
+                            <a:latin typeface="Cambria Math" panose="02040503050406030204" pitchFamily="18" charset="0"/>
+                          </a:rPr>
+                          <m:t>0</m:t>
+                        </m:r>
+                      </m:sub>
+                    </m:sSub>
+                  </m:oMath>
+                </a14:m>
+                <a:r>
+                  <a:rPr lang="en-US" altLang="ko-KR" dirty="0"/>
+                  <a:t> + </a:t>
+                </a:r>
+                <a14:m>
+                  <m:oMath xmlns:m="http://schemas.openxmlformats.org/officeDocument/2006/math">
+                    <m:sSub>
+                      <m:sSubPr>
+                        <m:ctrlPr>
+                          <a:rPr lang="en-US" altLang="ko-KR" i="1">
+                            <a:latin typeface="Cambria Math" panose="02040503050406030204" pitchFamily="18" charset="0"/>
+                          </a:rPr>
+                        </m:ctrlPr>
+                      </m:sSubPr>
+                      <m:e>
+                        <m:r>
+                          <a:rPr lang="en-US" altLang="ko-KR" b="0" i="1">
+                            <a:latin typeface="Cambria Math" panose="02040503050406030204" pitchFamily="18" charset="0"/>
+                            <a:ea typeface="Cambria Math" panose="02040503050406030204" pitchFamily="18" charset="0"/>
+                          </a:rPr>
+                          <m:t>𝛽</m:t>
+                        </m:r>
+                      </m:e>
+                      <m:sub>
+                        <m:r>
+                          <a:rPr lang="en-US" altLang="ko-KR" b="0" i="1">
+                            <a:latin typeface="Cambria Math" panose="02040503050406030204" pitchFamily="18" charset="0"/>
+                            <a:ea typeface="Cambria Math" panose="02040503050406030204" pitchFamily="18" charset="0"/>
+                          </a:rPr>
+                          <m:t>1</m:t>
+                        </m:r>
+                      </m:sub>
+                    </m:sSub>
+                    <m:sSub>
+                      <m:sSubPr>
+                        <m:ctrlPr>
+                          <a:rPr lang="en-US" altLang="ko-KR" i="1" smtClean="0">
+                            <a:latin typeface="Cambria Math" panose="02040503050406030204" pitchFamily="18" charset="0"/>
+                          </a:rPr>
+                        </m:ctrlPr>
+                      </m:sSubPr>
+                      <m:e>
+                        <m:r>
+                          <a:rPr lang="en-US" altLang="ko-KR" b="0" i="1" smtClean="0">
+                            <a:latin typeface="Cambria Math" panose="02040503050406030204" pitchFamily="18" charset="0"/>
+                          </a:rPr>
+                          <m:t>𝑥</m:t>
+                        </m:r>
+                      </m:e>
+                      <m:sub>
+                        <m:r>
+                          <a:rPr lang="en-US" altLang="ko-KR" i="1">
+                            <a:latin typeface="Cambria Math" panose="02040503050406030204" pitchFamily="18" charset="0"/>
+                            <a:ea typeface="Cambria Math" panose="02040503050406030204" pitchFamily="18" charset="0"/>
+                          </a:rPr>
+                          <m:t>1</m:t>
+                        </m:r>
+                      </m:sub>
+                    </m:sSub>
+                  </m:oMath>
+                </a14:m>
+                <a:r>
+                  <a:rPr lang="en-US" altLang="ko-KR" dirty="0"/>
+                  <a:t> + </a:t>
+                </a:r>
+                <a14:m>
+                  <m:oMath xmlns:m="http://schemas.openxmlformats.org/officeDocument/2006/math">
+                    <m:sSub>
+                      <m:sSubPr>
+                        <m:ctrlPr>
+                          <a:rPr lang="en-US" altLang="ko-KR" i="1">
+                            <a:latin typeface="Cambria Math" panose="02040503050406030204" pitchFamily="18" charset="0"/>
+                          </a:rPr>
+                        </m:ctrlPr>
+                      </m:sSubPr>
+                      <m:e>
+                        <m:r>
+                          <a:rPr lang="en-US" altLang="ko-KR" i="1">
+                            <a:latin typeface="Cambria Math" panose="02040503050406030204" pitchFamily="18" charset="0"/>
+                            <a:ea typeface="Cambria Math" panose="02040503050406030204" pitchFamily="18" charset="0"/>
+                          </a:rPr>
+                          <m:t>𝛽</m:t>
+                        </m:r>
+                      </m:e>
+                      <m:sub>
+                        <m:r>
+                          <a:rPr lang="en-US" altLang="ko-KR" b="0" i="1" smtClean="0">
+                            <a:latin typeface="Cambria Math" panose="02040503050406030204" pitchFamily="18" charset="0"/>
+                            <a:ea typeface="Cambria Math" panose="02040503050406030204" pitchFamily="18" charset="0"/>
+                          </a:rPr>
+                          <m:t>2</m:t>
+                        </m:r>
+                      </m:sub>
+                    </m:sSub>
+                    <m:sSub>
+                      <m:sSubPr>
+                        <m:ctrlPr>
+                          <a:rPr lang="en-US" altLang="ko-KR" i="1">
+                            <a:latin typeface="Cambria Math" panose="02040503050406030204" pitchFamily="18" charset="0"/>
+                          </a:rPr>
+                        </m:ctrlPr>
+                      </m:sSubPr>
+                      <m:e>
+                        <m:r>
+                          <a:rPr lang="en-US" altLang="ko-KR" i="1">
+                            <a:latin typeface="Cambria Math" panose="02040503050406030204" pitchFamily="18" charset="0"/>
+                          </a:rPr>
+                          <m:t>𝑥</m:t>
+                        </m:r>
+                      </m:e>
+                      <m:sub>
+                        <m:r>
+                          <a:rPr lang="en-US" altLang="ko-KR" b="0" i="1" smtClean="0">
+                            <a:latin typeface="Cambria Math" panose="02040503050406030204" pitchFamily="18" charset="0"/>
+                          </a:rPr>
+                          <m:t>2</m:t>
+                        </m:r>
+                      </m:sub>
+                    </m:sSub>
+                  </m:oMath>
+                </a14:m>
+                <a:r>
+                  <a:rPr lang="en-US" altLang="ko-KR" dirty="0"/>
+                  <a:t> + </a:t>
+                </a:r>
+                <a14:m>
+                  <m:oMath xmlns:m="http://schemas.openxmlformats.org/officeDocument/2006/math">
+                    <m:sSub>
+                      <m:sSubPr>
+                        <m:ctrlPr>
+                          <a:rPr lang="en-US" altLang="ko-KR" i="1">
+                            <a:latin typeface="Cambria Math" panose="02040503050406030204" pitchFamily="18" charset="0"/>
+                          </a:rPr>
+                        </m:ctrlPr>
+                      </m:sSubPr>
+                      <m:e>
+                        <m:r>
+                          <a:rPr lang="en-US" altLang="ko-KR" i="1">
+                            <a:latin typeface="Cambria Math" panose="02040503050406030204" pitchFamily="18" charset="0"/>
+                            <a:ea typeface="Cambria Math" panose="02040503050406030204" pitchFamily="18" charset="0"/>
+                          </a:rPr>
+                          <m:t>𝛽</m:t>
+                        </m:r>
+                      </m:e>
+                      <m:sub>
+                        <m:r>
+                          <a:rPr lang="en-US" altLang="ko-KR" b="0" i="1" smtClean="0">
+                            <a:latin typeface="Cambria Math" panose="02040503050406030204" pitchFamily="18" charset="0"/>
+                            <a:ea typeface="Cambria Math" panose="02040503050406030204" pitchFamily="18" charset="0"/>
+                          </a:rPr>
+                          <m:t>3</m:t>
+                        </m:r>
+                      </m:sub>
+                    </m:sSub>
+                    <m:sSub>
+                      <m:sSubPr>
+                        <m:ctrlPr>
+                          <a:rPr lang="en-US" altLang="ko-KR" i="1">
+                            <a:latin typeface="Cambria Math" panose="02040503050406030204" pitchFamily="18" charset="0"/>
+                          </a:rPr>
+                        </m:ctrlPr>
+                      </m:sSubPr>
+                      <m:e>
+                        <m:r>
+                          <a:rPr lang="en-US" altLang="ko-KR" i="1">
+                            <a:latin typeface="Cambria Math" panose="02040503050406030204" pitchFamily="18" charset="0"/>
+                          </a:rPr>
+                          <m:t>𝑥</m:t>
+                        </m:r>
+                      </m:e>
+                      <m:sub>
+                        <m:r>
+                          <a:rPr lang="en-US" altLang="ko-KR" b="0" i="1" smtClean="0">
+                            <a:latin typeface="Cambria Math" panose="02040503050406030204" pitchFamily="18" charset="0"/>
+                          </a:rPr>
+                          <m:t>3</m:t>
+                        </m:r>
+                      </m:sub>
+                    </m:sSub>
+                  </m:oMath>
+                </a14:m>
+                <a:r>
+                  <a:rPr lang="en-US" altLang="ko-KR" dirty="0"/>
+                  <a:t> + … + </a:t>
+                </a:r>
+                <a14:m>
+                  <m:oMath xmlns:m="http://schemas.openxmlformats.org/officeDocument/2006/math">
+                    <m:sSub>
+                      <m:sSubPr>
+                        <m:ctrlPr>
+                          <a:rPr lang="en-US" altLang="ko-KR" i="1">
+                            <a:latin typeface="Cambria Math" panose="02040503050406030204" pitchFamily="18" charset="0"/>
+                          </a:rPr>
+                        </m:ctrlPr>
+                      </m:sSubPr>
+                      <m:e>
+                        <m:r>
+                          <a:rPr lang="en-US" altLang="ko-KR" i="1">
+                            <a:latin typeface="Cambria Math" panose="02040503050406030204" pitchFamily="18" charset="0"/>
+                            <a:ea typeface="Cambria Math" panose="02040503050406030204" pitchFamily="18" charset="0"/>
+                          </a:rPr>
+                          <m:t>𝛽</m:t>
+                        </m:r>
+                      </m:e>
+                      <m:sub>
+                        <m:r>
+                          <a:rPr lang="en-US" altLang="ko-KR" b="0" i="1" smtClean="0">
+                            <a:latin typeface="Cambria Math" panose="02040503050406030204" pitchFamily="18" charset="0"/>
+                            <a:ea typeface="Cambria Math" panose="02040503050406030204" pitchFamily="18" charset="0"/>
+                          </a:rPr>
+                          <m:t>𝑝</m:t>
+                        </m:r>
+                      </m:sub>
+                    </m:sSub>
+                    <m:sSub>
+                      <m:sSubPr>
+                        <m:ctrlPr>
+                          <a:rPr lang="en-US" altLang="ko-KR" i="1">
+                            <a:latin typeface="Cambria Math" panose="02040503050406030204" pitchFamily="18" charset="0"/>
+                          </a:rPr>
+                        </m:ctrlPr>
+                      </m:sSubPr>
+                      <m:e>
+                        <m:r>
+                          <a:rPr lang="en-US" altLang="ko-KR" i="1">
+                            <a:latin typeface="Cambria Math" panose="02040503050406030204" pitchFamily="18" charset="0"/>
+                          </a:rPr>
+                          <m:t>𝑥</m:t>
+                        </m:r>
+                      </m:e>
+                      <m:sub>
+                        <m:r>
+                          <a:rPr lang="en-US" altLang="ko-KR" b="0" i="1" smtClean="0">
+                            <a:latin typeface="Cambria Math" panose="02040503050406030204" pitchFamily="18" charset="0"/>
+                          </a:rPr>
+                          <m:t>𝑝</m:t>
+                        </m:r>
+                      </m:sub>
+                    </m:sSub>
+                  </m:oMath>
+                </a14:m>
+                <a:r>
+                  <a:rPr lang="en-US" altLang="ko-KR" dirty="0"/>
+                  <a:t> + </a:t>
+                </a:r>
+                <a14:m>
+                  <m:oMath xmlns:m="http://schemas.openxmlformats.org/officeDocument/2006/math">
+                    <m:r>
+                      <a:rPr lang="en-US" altLang="ko-KR" i="1" smtClean="0">
+                        <a:latin typeface="Cambria Math" panose="02040503050406030204" pitchFamily="18" charset="0"/>
+                        <a:ea typeface="Cambria Math" panose="02040503050406030204" pitchFamily="18" charset="0"/>
+                      </a:rPr>
+                      <m:t>∈</m:t>
+                    </m:r>
+                  </m:oMath>
+                </a14:m>
+                <a:endParaRPr lang="en-US" altLang="ko-KR" dirty="0"/>
+              </a:p>
+              <a:p>
+                <a:endParaRPr kumimoji="1" lang="ko-KR" altLang="en-US" dirty="0"/>
+              </a:p>
+            </p:txBody>
+          </p:sp>
+        </mc:Choice>
+        <mc:Fallback>
+          <p:sp>
+            <p:nvSpPr>
+              <p:cNvPr id="3" name="텍스트 개체 틀 2">
+                <a:extLst>
+                  <a:ext uri="{FF2B5EF4-FFF2-40B4-BE49-F238E27FC236}">
+                    <a16:creationId xmlns:a16="http://schemas.microsoft.com/office/drawing/2014/main" id="{19507411-384F-9041-9159-AC742B76B638}"/>
+                  </a:ext>
+                </a:extLst>
+              </p:cNvPr>
+              <p:cNvSpPr>
+                <a:spLocks noGrp="1" noRot="1" noChangeAspect="1" noMove="1" noResize="1" noEditPoints="1" noAdjustHandles="1" noChangeArrowheads="1" noChangeShapeType="1" noTextEdit="1"/>
+              </p:cNvSpPr>
+              <p:nvPr>
+                <p:ph type="body" sz="quarter" idx="10"/>
+              </p:nvPr>
+            </p:nvSpPr>
+            <p:spPr>
+              <a:blipFill>
+                <a:blip r:embed="rId2"/>
+                <a:stretch>
+                  <a:fillRect l="-325"/>
+                </a:stretch>
+              </a:blipFill>
+            </p:spPr>
+            <p:txBody>
+              <a:bodyPr/>
+              <a:lstStyle/>
+              <a:p>
+                <a:r>
+                  <a:rPr lang="ko-KR" altLang="en-US">
+                    <a:noFill/>
+                  </a:rPr>
+                  <a:t> </a:t>
+                </a:r>
+              </a:p>
+            </p:txBody>
+          </p:sp>
+        </mc:Fallback>
+      </mc:AlternateContent>
     </p:spTree>
     <p:extLst>
       <p:ext uri="{BB962C8B-B14F-4D97-AF65-F5344CB8AC3E}">
@@ -1572,7 +5321,7 @@
 </p:sld>
 </file>
 
-<file path=ppt/slides/slide5.xml><?xml version="1.0" encoding="utf-8"?>
+<file path=ppt/slides/slide6.xml><?xml version="1.0" encoding="utf-8"?>
 <p:sld xmlns:a="http://schemas.openxmlformats.org/drawingml/2006/main" xmlns:r="http://schemas.openxmlformats.org/officeDocument/2006/relationships" xmlns:p="http://schemas.openxmlformats.org/presentationml/2006/main">
   <p:cSld>
     <p:spTree>
@@ -1614,31 +5363,80 @@
           </a:p>
         </p:txBody>
       </p:sp>
-      <p:sp>
-        <p:nvSpPr>
-          <p:cNvPr id="3" name="텍스트 개체 틀 2">
+      <p:graphicFrame>
+        <p:nvGraphicFramePr>
+          <p:cNvPr id="5" name="차트 4">
             <a:extLst>
               <a:ext uri="{FF2B5EF4-FFF2-40B4-BE49-F238E27FC236}">
-                <a16:creationId xmlns:a16="http://schemas.microsoft.com/office/drawing/2014/main" id="{E2958CB9-9FA4-694D-9FEF-CD2E6A2B83C2}"/>
+                <a16:creationId xmlns:a16="http://schemas.microsoft.com/office/drawing/2014/main" id="{DAE949DB-DF03-2E45-A66B-5F0FE71D8B7F}"/>
               </a:ext>
             </a:extLst>
           </p:cNvPr>
-          <p:cNvSpPr>
-            <a:spLocks noGrp="1"/>
-          </p:cNvSpPr>
+          <p:cNvGraphicFramePr/>
           <p:nvPr>
-            <p:ph type="body" sz="quarter" idx="10"/>
+            <p:extLst>
+              <p:ext uri="{D42A27DB-BD31-4B8C-83A1-F6EECF244321}">
+                <p14:modId xmlns:p14="http://schemas.microsoft.com/office/powerpoint/2010/main" val="2217928353"/>
+              </p:ext>
+            </p:extLst>
           </p:nvPr>
-        </p:nvSpPr>
-        <p:spPr/>
-        <p:txBody>
-          <a:bodyPr/>
-          <a:lstStyle/>
-          <a:p>
-            <a:endParaRPr kumimoji="1" lang="ko-KR" altLang="en-US"/>
-          </a:p>
-        </p:txBody>
-      </p:sp>
+        </p:nvGraphicFramePr>
+        <p:xfrm>
+          <a:off x="2032000" y="1081975"/>
+          <a:ext cx="8128000" cy="5418667"/>
+        </p:xfrm>
+        <a:graphic>
+          <a:graphicData uri="http://schemas.openxmlformats.org/drawingml/2006/chart">
+            <c:chart xmlns:c="http://schemas.openxmlformats.org/drawingml/2006/chart" xmlns:r="http://schemas.openxmlformats.org/officeDocument/2006/relationships" r:id="rId2"/>
+          </a:graphicData>
+        </a:graphic>
+      </p:graphicFrame>
+      <p:cxnSp>
+        <p:nvCxnSpPr>
+          <p:cNvPr id="6" name="직선 연결선[R] 5">
+            <a:extLst>
+              <a:ext uri="{FF2B5EF4-FFF2-40B4-BE49-F238E27FC236}">
+                <a16:creationId xmlns:a16="http://schemas.microsoft.com/office/drawing/2014/main" id="{D34C252B-9075-4940-A066-51B924FA19BA}"/>
+              </a:ext>
+            </a:extLst>
+          </p:cNvPr>
+          <p:cNvCxnSpPr>
+            <a:cxnSpLocks/>
+          </p:cNvCxnSpPr>
+          <p:nvPr/>
+        </p:nvCxnSpPr>
+        <p:spPr>
+          <a:xfrm flipV="1">
+            <a:off x="3071004" y="1414732"/>
+            <a:ext cx="5503653" cy="3916394"/>
+          </a:xfrm>
+          <a:prstGeom prst="line">
+            <a:avLst/>
+          </a:prstGeom>
+          <a:ln w="38100">
+            <a:solidFill>
+              <a:schemeClr val="tx1">
+                <a:lumMod val="50000"/>
+                <a:lumOff val="50000"/>
+              </a:schemeClr>
+            </a:solidFill>
+          </a:ln>
+        </p:spPr>
+        <p:style>
+          <a:lnRef idx="1">
+            <a:schemeClr val="accent1"/>
+          </a:lnRef>
+          <a:fillRef idx="0">
+            <a:schemeClr val="accent1"/>
+          </a:fillRef>
+          <a:effectRef idx="0">
+            <a:schemeClr val="accent1"/>
+          </a:effectRef>
+          <a:fontRef idx="minor">
+            <a:schemeClr val="tx1"/>
+          </a:fontRef>
+        </p:style>
+      </p:cxnSp>
     </p:spTree>
     <p:extLst>
       <p:ext uri="{BB962C8B-B14F-4D97-AF65-F5344CB8AC3E}">

--- a/3 Linear Regression/01_Linear regression.pptx
+++ b/3 Linear Regression/01_Linear regression.pptx
@@ -675,7 +675,7 @@
               <a:lstStyle/>
               <a:p>
                 <a:pPr>
-                  <a:defRPr sz="1330" b="0" i="0" u="none" strike="noStrike" kern="1200" baseline="0">
+                  <a:defRPr sz="1800" b="0" i="0" u="none" strike="noStrike" kern="1200" baseline="0">
                     <a:solidFill>
                       <a:schemeClr val="tx1">
                         <a:lumMod val="65000"/>
@@ -688,10 +688,10 @@
                   </a:defRPr>
                 </a:pPr>
                 <a:r>
-                  <a:rPr lang="en-US" altLang="ko-KR" sz="2400" b="1" dirty="0"/>
+                  <a:rPr lang="en-US" altLang="ko-KR" sz="1800" b="1" dirty="0"/>
                   <a:t>X1</a:t>
                 </a:r>
-                <a:endParaRPr lang="ko-KR" altLang="en-US" sz="2400" b="1" dirty="0"/>
+                <a:endParaRPr lang="ko-KR" altLang="en-US" sz="1800" b="1" dirty="0"/>
               </a:p>
             </c:rich>
           </c:tx>
@@ -716,7 +716,7 @@
             <a:lstStyle/>
             <a:p>
               <a:pPr>
-                <a:defRPr sz="1330" b="0" i="0" u="none" strike="noStrike" kern="1200" baseline="0">
+                <a:defRPr sz="1800" b="0" i="0" u="none" strike="noStrike" kern="1200" baseline="0">
                   <a:solidFill>
                     <a:schemeClr val="tx1">
                       <a:lumMod val="65000"/>
@@ -768,7 +768,7 @@
               <a:lstStyle/>
               <a:p>
                 <a:pPr>
-                  <a:defRPr sz="2800" b="1" i="0" u="none" strike="noStrike" kern="1200" baseline="0">
+                  <a:defRPr sz="2000" b="1" i="0" u="none" strike="noStrike" kern="1200" baseline="0">
                     <a:solidFill>
                       <a:schemeClr val="tx1">
                         <a:lumMod val="65000"/>
@@ -781,10 +781,10 @@
                   </a:defRPr>
                 </a:pPr>
                 <a:r>
-                  <a:rPr lang="en-US" altLang="ko-KR" sz="2800" b="1" dirty="0"/>
+                  <a:rPr lang="en-US" altLang="ko-KR" sz="2000" b="1" dirty="0"/>
                   <a:t>Y</a:t>
                 </a:r>
-                <a:endParaRPr lang="ko-KR" altLang="en-US" sz="2800" b="1" dirty="0"/>
+                <a:endParaRPr lang="ko-KR" altLang="en-US" sz="2000" b="1" dirty="0"/>
               </a:p>
             </c:rich>
           </c:tx>
@@ -792,8 +792,8 @@
             <c:manualLayout>
               <c:xMode val="edge"/>
               <c:yMode val="edge"/>
-              <c:x val="9.3749999999999997E-3"/>
-              <c:y val="2.6568342361691543E-2"/>
+              <c:x val="2.8125000000000001E-2"/>
+              <c:y val="3.8287091640803912E-2"/>
             </c:manualLayout>
           </c:layout>
           <c:overlay val="0"/>
@@ -809,7 +809,7 @@
             <a:lstStyle/>
             <a:p>
               <a:pPr>
-                <a:defRPr sz="2800" b="1" i="0" u="none" strike="noStrike" kern="1200" baseline="0">
+                <a:defRPr sz="2000" b="1" i="0" u="none" strike="noStrike" kern="1200" baseline="0">
                   <a:solidFill>
                     <a:schemeClr val="tx1">
                       <a:lumMod val="65000"/>
@@ -4675,8 +4675,8 @@
           </a:fontRef>
         </p:style>
       </p:cxnSp>
-      <mc:AlternateContent xmlns:mc="http://schemas.openxmlformats.org/markup-compatibility/2006">
-        <mc:Choice xmlns:a14="http://schemas.microsoft.com/office/drawing/2010/main" Requires="a14">
+      <mc:AlternateContent xmlns:mc="http://schemas.openxmlformats.org/markup-compatibility/2006" xmlns:a14="http://schemas.microsoft.com/office/drawing/2010/main">
+        <mc:Choice Requires="a14">
           <p:sp>
             <p:nvSpPr>
               <p:cNvPr id="8" name="TextBox 7">
@@ -4783,7 +4783,7 @@
             </p:txBody>
           </p:sp>
         </mc:Choice>
-        <mc:Fallback>
+        <mc:Fallback xmlns="">
           <p:sp>
             <p:nvSpPr>
               <p:cNvPr id="8" name="TextBox 7">
@@ -4891,8 +4891,8 @@
           </a:p>
         </p:txBody>
       </p:sp>
-      <mc:AlternateContent xmlns:mc="http://schemas.openxmlformats.org/markup-compatibility/2006">
-        <mc:Choice xmlns:a14="http://schemas.microsoft.com/office/drawing/2010/main" Requires="a14">
+      <mc:AlternateContent xmlns:mc="http://schemas.openxmlformats.org/markup-compatibility/2006" xmlns:a14="http://schemas.microsoft.com/office/drawing/2010/main">
+        <mc:Choice Requires="a14">
           <p:sp>
             <p:nvSpPr>
               <p:cNvPr id="3" name="텍스트 개체 틀 2">
@@ -5268,7 +5268,7 @@
             </p:txBody>
           </p:sp>
         </mc:Choice>
-        <mc:Fallback>
+        <mc:Fallback xmlns="">
           <p:sp>
             <p:nvSpPr>
               <p:cNvPr id="3" name="텍스트 개체 틀 2">
@@ -5376,7 +5376,7 @@
           <p:nvPr>
             <p:extLst>
               <p:ext uri="{D42A27DB-BD31-4B8C-83A1-F6EECF244321}">
-                <p14:modId xmlns:p14="http://schemas.microsoft.com/office/powerpoint/2010/main" val="2217928353"/>
+                <p14:modId xmlns:p14="http://schemas.microsoft.com/office/powerpoint/2010/main" val="3357659188"/>
               </p:ext>
             </p:extLst>
           </p:nvPr>
@@ -5407,8 +5407,8 @@
         </p:nvCxnSpPr>
         <p:spPr>
           <a:xfrm flipV="1">
-            <a:off x="3071004" y="1414732"/>
-            <a:ext cx="5503653" cy="3916394"/>
+            <a:off x="3102964" y="1414732"/>
+            <a:ext cx="5471693" cy="3756875"/>
           </a:xfrm>
           <a:prstGeom prst="line">
             <a:avLst/>
@@ -5437,6 +5437,42 @@
           </a:fontRef>
         </p:style>
       </p:cxnSp>
+      <p:sp>
+        <p:nvSpPr>
+          <p:cNvPr id="3" name="TextBox 2">
+            <a:extLst>
+              <a:ext uri="{FF2B5EF4-FFF2-40B4-BE49-F238E27FC236}">
+                <a16:creationId xmlns:a16="http://schemas.microsoft.com/office/drawing/2014/main" id="{3B064603-64C8-B44A-9C69-10E682673420}"/>
+              </a:ext>
+            </a:extLst>
+          </p:cNvPr>
+          <p:cNvSpPr txBox="1"/>
+          <p:nvPr/>
+        </p:nvSpPr>
+        <p:spPr>
+          <a:xfrm>
+            <a:off x="8605393" y="1081975"/>
+            <a:ext cx="1646605" cy="369332"/>
+          </a:xfrm>
+          <a:prstGeom prst="rect">
+            <a:avLst/>
+          </a:prstGeom>
+          <a:noFill/>
+        </p:spPr>
+        <p:txBody>
+          <a:bodyPr wrap="none" rtlCol="0">
+            <a:spAutoFit/>
+          </a:bodyPr>
+          <a:lstStyle/>
+          <a:p>
+            <a:r>
+              <a:rPr kumimoji="1" lang="en-US" altLang="ko-KR" dirty="0"/>
+              <a:t>y = 1 + 0.8X1</a:t>
+            </a:r>
+            <a:endParaRPr kumimoji="1" lang="ko-KR" altLang="en-US" dirty="0"/>
+          </a:p>
+        </p:txBody>
+      </p:sp>
     </p:spTree>
     <p:extLst>
       <p:ext uri="{BB962C8B-B14F-4D97-AF65-F5344CB8AC3E}">
